--- a/Spring 2017 Semester/Music or Arts/ARUS HW/9 ARUS HW/ARUS 280 HW#9 notes.pptx
+++ b/Spring 2017 Semester/Music or Arts/ARUS HW/9 ARUS HW/ARUS 280 HW#9 notes.pptx
@@ -514,9 +514,9 @@
               <a:buNone/>
             </a:pPr>
             <a:r>
-              <a:t/>
-            </a:r>
-            <a:endParaRPr/>
+              <a:rPr lang="en"/>
+              <a:t>done</a:t>
+            </a:r>
           </a:p>
         </p:txBody>
       </p:sp>
@@ -628,7 +628,7 @@
   <p:cSld>
     <p:spTree>
       <p:nvGrpSpPr>
-        <p:cNvPr id="148" name="Shape 148"/>
+        <p:cNvPr id="149" name="Shape 149"/>
         <p:cNvGrpSpPr/>
         <p:nvPr/>
       </p:nvGrpSpPr>
@@ -642,7 +642,7 @@
       </p:grpSpPr>
       <p:sp>
         <p:nvSpPr>
-          <p:cNvPr id="149" name="Shape 149"/>
+          <p:cNvPr id="150" name="Shape 150"/>
           <p:cNvSpPr/>
           <p:nvPr>
             <p:ph idx="2" type="sldImg"/>
@@ -676,7 +676,7 @@
       </p:sp>
       <p:sp>
         <p:nvSpPr>
-          <p:cNvPr id="150" name="Shape 150"/>
+          <p:cNvPr id="151" name="Shape 151"/>
           <p:cNvSpPr txBox="1"/>
           <p:nvPr>
             <p:ph idx="1" type="body"/>
@@ -723,7 +723,7 @@
   <p:cSld>
     <p:spTree>
       <p:nvGrpSpPr>
-        <p:cNvPr id="155" name="Shape 155"/>
+        <p:cNvPr id="156" name="Shape 156"/>
         <p:cNvGrpSpPr/>
         <p:nvPr/>
       </p:nvGrpSpPr>
@@ -737,7 +737,7 @@
       </p:grpSpPr>
       <p:sp>
         <p:nvSpPr>
-          <p:cNvPr id="156" name="Shape 156"/>
+          <p:cNvPr id="157" name="Shape 157"/>
           <p:cNvSpPr/>
           <p:nvPr>
             <p:ph idx="2" type="sldImg"/>
@@ -771,7 +771,7 @@
       </p:sp>
       <p:sp>
         <p:nvSpPr>
-          <p:cNvPr id="157" name="Shape 157"/>
+          <p:cNvPr id="158" name="Shape 158"/>
           <p:cNvSpPr txBox="1"/>
           <p:nvPr>
             <p:ph idx="1" type="body"/>
@@ -818,7 +818,7 @@
   <p:cSld>
     <p:spTree>
       <p:nvGrpSpPr>
-        <p:cNvPr id="162" name="Shape 162"/>
+        <p:cNvPr id="163" name="Shape 163"/>
         <p:cNvGrpSpPr/>
         <p:nvPr/>
       </p:nvGrpSpPr>
@@ -832,7 +832,7 @@
       </p:grpSpPr>
       <p:sp>
         <p:nvSpPr>
-          <p:cNvPr id="163" name="Shape 163"/>
+          <p:cNvPr id="164" name="Shape 164"/>
           <p:cNvSpPr/>
           <p:nvPr>
             <p:ph idx="2" type="sldImg"/>
@@ -866,7 +866,7 @@
       </p:sp>
       <p:sp>
         <p:nvSpPr>
-          <p:cNvPr id="164" name="Shape 164"/>
+          <p:cNvPr id="165" name="Shape 165"/>
           <p:cNvSpPr txBox="1"/>
           <p:nvPr>
             <p:ph idx="1" type="body"/>
@@ -913,7 +913,7 @@
   <p:cSld>
     <p:spTree>
       <p:nvGrpSpPr>
-        <p:cNvPr id="169" name="Shape 169"/>
+        <p:cNvPr id="170" name="Shape 170"/>
         <p:cNvGrpSpPr/>
         <p:nvPr/>
       </p:nvGrpSpPr>
@@ -927,7 +927,7 @@
       </p:grpSpPr>
       <p:sp>
         <p:nvSpPr>
-          <p:cNvPr id="170" name="Shape 170"/>
+          <p:cNvPr id="171" name="Shape 171"/>
           <p:cNvSpPr/>
           <p:nvPr>
             <p:ph idx="2" type="sldImg"/>
@@ -961,7 +961,7 @@
       </p:sp>
       <p:sp>
         <p:nvSpPr>
-          <p:cNvPr id="171" name="Shape 171"/>
+          <p:cNvPr id="172" name="Shape 172"/>
           <p:cNvSpPr txBox="1"/>
           <p:nvPr>
             <p:ph idx="1" type="body"/>
@@ -1008,7 +1008,7 @@
   <p:cSld>
     <p:spTree>
       <p:nvGrpSpPr>
-        <p:cNvPr id="176" name="Shape 176"/>
+        <p:cNvPr id="177" name="Shape 177"/>
         <p:cNvGrpSpPr/>
         <p:nvPr/>
       </p:nvGrpSpPr>
@@ -1022,7 +1022,7 @@
       </p:grpSpPr>
       <p:sp>
         <p:nvSpPr>
-          <p:cNvPr id="177" name="Shape 177"/>
+          <p:cNvPr id="178" name="Shape 178"/>
           <p:cNvSpPr/>
           <p:nvPr>
             <p:ph idx="2" type="sldImg"/>
@@ -1056,7 +1056,7 @@
       </p:sp>
       <p:sp>
         <p:nvSpPr>
-          <p:cNvPr id="178" name="Shape 178"/>
+          <p:cNvPr id="179" name="Shape 179"/>
           <p:cNvSpPr txBox="1"/>
           <p:nvPr>
             <p:ph idx="1" type="body"/>
@@ -1103,7 +1103,7 @@
   <p:cSld>
     <p:spTree>
       <p:nvGrpSpPr>
-        <p:cNvPr id="183" name="Shape 183"/>
+        <p:cNvPr id="184" name="Shape 184"/>
         <p:cNvGrpSpPr/>
         <p:nvPr/>
       </p:nvGrpSpPr>
@@ -1117,7 +1117,7 @@
       </p:grpSpPr>
       <p:sp>
         <p:nvSpPr>
-          <p:cNvPr id="184" name="Shape 184"/>
+          <p:cNvPr id="185" name="Shape 185"/>
           <p:cNvSpPr/>
           <p:nvPr>
             <p:ph idx="2" type="sldImg"/>
@@ -1151,7 +1151,7 @@
       </p:sp>
       <p:sp>
         <p:nvSpPr>
-          <p:cNvPr id="185" name="Shape 185"/>
+          <p:cNvPr id="186" name="Shape 186"/>
           <p:cNvSpPr txBox="1"/>
           <p:nvPr>
             <p:ph idx="1" type="body"/>
@@ -1198,7 +1198,7 @@
   <p:cSld>
     <p:spTree>
       <p:nvGrpSpPr>
-        <p:cNvPr id="190" name="Shape 190"/>
+        <p:cNvPr id="191" name="Shape 191"/>
         <p:cNvGrpSpPr/>
         <p:nvPr/>
       </p:nvGrpSpPr>
@@ -1212,7 +1212,7 @@
       </p:grpSpPr>
       <p:sp>
         <p:nvSpPr>
-          <p:cNvPr id="191" name="Shape 191"/>
+          <p:cNvPr id="192" name="Shape 192"/>
           <p:cNvSpPr/>
           <p:nvPr>
             <p:ph idx="2" type="sldImg"/>
@@ -1246,7 +1246,7 @@
       </p:sp>
       <p:sp>
         <p:nvSpPr>
-          <p:cNvPr id="192" name="Shape 192"/>
+          <p:cNvPr id="193" name="Shape 193"/>
           <p:cNvSpPr txBox="1"/>
           <p:nvPr>
             <p:ph idx="1" type="body"/>
@@ -1293,7 +1293,7 @@
   <p:cSld>
     <p:spTree>
       <p:nvGrpSpPr>
-        <p:cNvPr id="196" name="Shape 196"/>
+        <p:cNvPr id="197" name="Shape 197"/>
         <p:cNvGrpSpPr/>
         <p:nvPr/>
       </p:nvGrpSpPr>
@@ -1307,7 +1307,7 @@
       </p:grpSpPr>
       <p:sp>
         <p:nvSpPr>
-          <p:cNvPr id="197" name="Shape 197"/>
+          <p:cNvPr id="198" name="Shape 198"/>
           <p:cNvSpPr/>
           <p:nvPr>
             <p:ph idx="2" type="sldImg"/>
@@ -1341,7 +1341,7 @@
       </p:sp>
       <p:sp>
         <p:nvSpPr>
-          <p:cNvPr id="198" name="Shape 198"/>
+          <p:cNvPr id="199" name="Shape 199"/>
           <p:cNvSpPr txBox="1"/>
           <p:nvPr>
             <p:ph idx="1" type="body"/>
@@ -1388,7 +1388,7 @@
   <p:cSld>
     <p:spTree>
       <p:nvGrpSpPr>
-        <p:cNvPr id="203" name="Shape 203"/>
+        <p:cNvPr id="204" name="Shape 204"/>
         <p:cNvGrpSpPr/>
         <p:nvPr/>
       </p:nvGrpSpPr>
@@ -1402,7 +1402,7 @@
       </p:grpSpPr>
       <p:sp>
         <p:nvSpPr>
-          <p:cNvPr id="204" name="Shape 204"/>
+          <p:cNvPr id="205" name="Shape 205"/>
           <p:cNvSpPr/>
           <p:nvPr>
             <p:ph idx="2" type="sldImg"/>
@@ -1436,7 +1436,7 @@
       </p:sp>
       <p:sp>
         <p:nvSpPr>
-          <p:cNvPr id="205" name="Shape 205"/>
+          <p:cNvPr id="206" name="Shape 206"/>
           <p:cNvSpPr txBox="1"/>
           <p:nvPr>
             <p:ph idx="1" type="body"/>
@@ -1578,7 +1578,7 @@
   <p:cSld>
     <p:spTree>
       <p:nvGrpSpPr>
-        <p:cNvPr id="210" name="Shape 210"/>
+        <p:cNvPr id="211" name="Shape 211"/>
         <p:cNvGrpSpPr/>
         <p:nvPr/>
       </p:nvGrpSpPr>
@@ -1592,7 +1592,7 @@
       </p:grpSpPr>
       <p:sp>
         <p:nvSpPr>
-          <p:cNvPr id="211" name="Shape 211"/>
+          <p:cNvPr id="212" name="Shape 212"/>
           <p:cNvSpPr/>
           <p:nvPr>
             <p:ph idx="2" type="sldImg"/>
@@ -1626,7 +1626,7 @@
       </p:sp>
       <p:sp>
         <p:nvSpPr>
-          <p:cNvPr id="212" name="Shape 212"/>
+          <p:cNvPr id="213" name="Shape 213"/>
           <p:cNvSpPr txBox="1"/>
           <p:nvPr>
             <p:ph idx="1" type="body"/>
@@ -1673,7 +1673,7 @@
   <p:cSld>
     <p:spTree>
       <p:nvGrpSpPr>
-        <p:cNvPr id="217" name="Shape 217"/>
+        <p:cNvPr id="218" name="Shape 218"/>
         <p:cNvGrpSpPr/>
         <p:nvPr/>
       </p:nvGrpSpPr>
@@ -1687,7 +1687,7 @@
       </p:grpSpPr>
       <p:sp>
         <p:nvSpPr>
-          <p:cNvPr id="218" name="Shape 218"/>
+          <p:cNvPr id="219" name="Shape 219"/>
           <p:cNvSpPr/>
           <p:nvPr>
             <p:ph idx="2" type="sldImg"/>
@@ -1721,7 +1721,7 @@
       </p:sp>
       <p:sp>
         <p:nvSpPr>
-          <p:cNvPr id="219" name="Shape 219"/>
+          <p:cNvPr id="220" name="Shape 220"/>
           <p:cNvSpPr txBox="1"/>
           <p:nvPr>
             <p:ph idx="1" type="body"/>
@@ -1768,7 +1768,7 @@
   <p:cSld>
     <p:spTree>
       <p:nvGrpSpPr>
-        <p:cNvPr id="224" name="Shape 224"/>
+        <p:cNvPr id="225" name="Shape 225"/>
         <p:cNvGrpSpPr/>
         <p:nvPr/>
       </p:nvGrpSpPr>
@@ -1782,7 +1782,7 @@
       </p:grpSpPr>
       <p:sp>
         <p:nvSpPr>
-          <p:cNvPr id="225" name="Shape 225"/>
+          <p:cNvPr id="226" name="Shape 226"/>
           <p:cNvSpPr/>
           <p:nvPr>
             <p:ph idx="2" type="sldImg"/>
@@ -1816,7 +1816,7 @@
       </p:sp>
       <p:sp>
         <p:nvSpPr>
-          <p:cNvPr id="226" name="Shape 226"/>
+          <p:cNvPr id="227" name="Shape 227"/>
           <p:cNvSpPr txBox="1"/>
           <p:nvPr>
             <p:ph idx="1" type="body"/>
@@ -1863,7 +1863,7 @@
   <p:cSld>
     <p:spTree>
       <p:nvGrpSpPr>
-        <p:cNvPr id="231" name="Shape 231"/>
+        <p:cNvPr id="232" name="Shape 232"/>
         <p:cNvGrpSpPr/>
         <p:nvPr/>
       </p:nvGrpSpPr>
@@ -1877,7 +1877,7 @@
       </p:grpSpPr>
       <p:sp>
         <p:nvSpPr>
-          <p:cNvPr id="232" name="Shape 232"/>
+          <p:cNvPr id="233" name="Shape 233"/>
           <p:cNvSpPr/>
           <p:nvPr>
             <p:ph idx="2" type="sldImg"/>
@@ -1911,7 +1911,7 @@
       </p:sp>
       <p:sp>
         <p:nvSpPr>
-          <p:cNvPr id="233" name="Shape 233"/>
+          <p:cNvPr id="234" name="Shape 234"/>
           <p:cNvSpPr txBox="1"/>
           <p:nvPr>
             <p:ph idx="1" type="body"/>
@@ -1958,7 +1958,7 @@
   <p:cSld>
     <p:spTree>
       <p:nvGrpSpPr>
-        <p:cNvPr id="238" name="Shape 238"/>
+        <p:cNvPr id="239" name="Shape 239"/>
         <p:cNvGrpSpPr/>
         <p:nvPr/>
       </p:nvGrpSpPr>
@@ -1972,7 +1972,7 @@
       </p:grpSpPr>
       <p:sp>
         <p:nvSpPr>
-          <p:cNvPr id="239" name="Shape 239"/>
+          <p:cNvPr id="240" name="Shape 240"/>
           <p:cNvSpPr/>
           <p:nvPr>
             <p:ph idx="2" type="sldImg"/>
@@ -2006,7 +2006,7 @@
       </p:sp>
       <p:sp>
         <p:nvSpPr>
-          <p:cNvPr id="240" name="Shape 240"/>
+          <p:cNvPr id="241" name="Shape 241"/>
           <p:cNvSpPr txBox="1"/>
           <p:nvPr>
             <p:ph idx="1" type="body"/>
@@ -2053,7 +2053,7 @@
   <p:cSld>
     <p:spTree>
       <p:nvGrpSpPr>
-        <p:cNvPr id="244" name="Shape 244"/>
+        <p:cNvPr id="245" name="Shape 245"/>
         <p:cNvGrpSpPr/>
         <p:nvPr/>
       </p:nvGrpSpPr>
@@ -2067,7 +2067,7 @@
       </p:grpSpPr>
       <p:sp>
         <p:nvSpPr>
-          <p:cNvPr id="245" name="Shape 245"/>
+          <p:cNvPr id="246" name="Shape 246"/>
           <p:cNvSpPr/>
           <p:nvPr>
             <p:ph idx="2" type="sldImg"/>
@@ -2101,7 +2101,7 @@
       </p:sp>
       <p:sp>
         <p:nvSpPr>
-          <p:cNvPr id="246" name="Shape 246"/>
+          <p:cNvPr id="247" name="Shape 247"/>
           <p:cNvSpPr txBox="1"/>
           <p:nvPr>
             <p:ph idx="1" type="body"/>
@@ -2148,7 +2148,7 @@
   <p:cSld>
     <p:spTree>
       <p:nvGrpSpPr>
-        <p:cNvPr id="251" name="Shape 251"/>
+        <p:cNvPr id="252" name="Shape 252"/>
         <p:cNvGrpSpPr/>
         <p:nvPr/>
       </p:nvGrpSpPr>
@@ -2162,7 +2162,7 @@
       </p:grpSpPr>
       <p:sp>
         <p:nvSpPr>
-          <p:cNvPr id="252" name="Shape 252"/>
+          <p:cNvPr id="253" name="Shape 253"/>
           <p:cNvSpPr/>
           <p:nvPr>
             <p:ph idx="2" type="sldImg"/>
@@ -2196,7 +2196,7 @@
       </p:sp>
       <p:sp>
         <p:nvSpPr>
-          <p:cNvPr id="253" name="Shape 253"/>
+          <p:cNvPr id="254" name="Shape 254"/>
           <p:cNvSpPr txBox="1"/>
           <p:nvPr>
             <p:ph idx="1" type="body"/>
@@ -2243,7 +2243,7 @@
   <p:cSld>
     <p:spTree>
       <p:nvGrpSpPr>
-        <p:cNvPr id="258" name="Shape 258"/>
+        <p:cNvPr id="259" name="Shape 259"/>
         <p:cNvGrpSpPr/>
         <p:nvPr/>
       </p:nvGrpSpPr>
@@ -2257,7 +2257,7 @@
       </p:grpSpPr>
       <p:sp>
         <p:nvSpPr>
-          <p:cNvPr id="259" name="Shape 259"/>
+          <p:cNvPr id="260" name="Shape 260"/>
           <p:cNvSpPr/>
           <p:nvPr>
             <p:ph idx="2" type="sldImg"/>
@@ -2291,7 +2291,7 @@
       </p:sp>
       <p:sp>
         <p:nvSpPr>
-          <p:cNvPr id="260" name="Shape 260"/>
+          <p:cNvPr id="261" name="Shape 261"/>
           <p:cNvSpPr txBox="1"/>
           <p:nvPr>
             <p:ph idx="1" type="body"/>
@@ -2338,7 +2338,7 @@
   <p:cSld>
     <p:spTree>
       <p:nvGrpSpPr>
-        <p:cNvPr id="265" name="Shape 265"/>
+        <p:cNvPr id="266" name="Shape 266"/>
         <p:cNvGrpSpPr/>
         <p:nvPr/>
       </p:nvGrpSpPr>
@@ -2352,7 +2352,7 @@
       </p:grpSpPr>
       <p:sp>
         <p:nvSpPr>
-          <p:cNvPr id="266" name="Shape 266"/>
+          <p:cNvPr id="267" name="Shape 267"/>
           <p:cNvSpPr/>
           <p:nvPr>
             <p:ph idx="2" type="sldImg"/>
@@ -2386,7 +2386,7 @@
       </p:sp>
       <p:sp>
         <p:nvSpPr>
-          <p:cNvPr id="267" name="Shape 267"/>
+          <p:cNvPr id="268" name="Shape 268"/>
           <p:cNvSpPr txBox="1"/>
           <p:nvPr>
             <p:ph idx="1" type="body"/>
@@ -2433,7 +2433,7 @@
   <p:cSld>
     <p:spTree>
       <p:nvGrpSpPr>
-        <p:cNvPr id="272" name="Shape 272"/>
+        <p:cNvPr id="273" name="Shape 273"/>
         <p:cNvGrpSpPr/>
         <p:nvPr/>
       </p:nvGrpSpPr>
@@ -2447,7 +2447,7 @@
       </p:grpSpPr>
       <p:sp>
         <p:nvSpPr>
-          <p:cNvPr id="273" name="Shape 273"/>
+          <p:cNvPr id="274" name="Shape 274"/>
           <p:cNvSpPr/>
           <p:nvPr>
             <p:ph idx="2" type="sldImg"/>
@@ -2481,7 +2481,7 @@
       </p:sp>
       <p:sp>
         <p:nvSpPr>
-          <p:cNvPr id="274" name="Shape 274"/>
+          <p:cNvPr id="275" name="Shape 275"/>
           <p:cNvSpPr txBox="1"/>
           <p:nvPr>
             <p:ph idx="1" type="body"/>
@@ -2623,7 +2623,7 @@
   <p:cSld>
     <p:spTree>
       <p:nvGrpSpPr>
-        <p:cNvPr id="279" name="Shape 279"/>
+        <p:cNvPr id="280" name="Shape 280"/>
         <p:cNvGrpSpPr/>
         <p:nvPr/>
       </p:nvGrpSpPr>
@@ -2637,7 +2637,7 @@
       </p:grpSpPr>
       <p:sp>
         <p:nvSpPr>
-          <p:cNvPr id="280" name="Shape 280"/>
+          <p:cNvPr id="281" name="Shape 281"/>
           <p:cNvSpPr/>
           <p:nvPr>
             <p:ph idx="2" type="sldImg"/>
@@ -2671,7 +2671,7 @@
       </p:sp>
       <p:sp>
         <p:nvSpPr>
-          <p:cNvPr id="281" name="Shape 281"/>
+          <p:cNvPr id="282" name="Shape 282"/>
           <p:cNvSpPr txBox="1"/>
           <p:nvPr>
             <p:ph idx="1" type="body"/>
@@ -2718,7 +2718,7 @@
   <p:cSld>
     <p:spTree>
       <p:nvGrpSpPr>
-        <p:cNvPr id="286" name="Shape 286"/>
+        <p:cNvPr id="287" name="Shape 287"/>
         <p:cNvGrpSpPr/>
         <p:nvPr/>
       </p:nvGrpSpPr>
@@ -2732,7 +2732,7 @@
       </p:grpSpPr>
       <p:sp>
         <p:nvSpPr>
-          <p:cNvPr id="287" name="Shape 287"/>
+          <p:cNvPr id="288" name="Shape 288"/>
           <p:cNvSpPr/>
           <p:nvPr>
             <p:ph idx="2" type="sldImg"/>
@@ -2766,7 +2766,7 @@
       </p:sp>
       <p:sp>
         <p:nvSpPr>
-          <p:cNvPr id="288" name="Shape 288"/>
+          <p:cNvPr id="289" name="Shape 289"/>
           <p:cNvSpPr txBox="1"/>
           <p:nvPr>
             <p:ph idx="1" type="body"/>
@@ -2813,7 +2813,7 @@
   <p:cSld>
     <p:spTree>
       <p:nvGrpSpPr>
-        <p:cNvPr id="293" name="Shape 293"/>
+        <p:cNvPr id="294" name="Shape 294"/>
         <p:cNvGrpSpPr/>
         <p:nvPr/>
       </p:nvGrpSpPr>
@@ -2827,7 +2827,7 @@
       </p:grpSpPr>
       <p:sp>
         <p:nvSpPr>
-          <p:cNvPr id="294" name="Shape 294"/>
+          <p:cNvPr id="295" name="Shape 295"/>
           <p:cNvSpPr/>
           <p:nvPr>
             <p:ph idx="2" type="sldImg"/>
@@ -2861,7 +2861,7 @@
       </p:sp>
       <p:sp>
         <p:nvSpPr>
-          <p:cNvPr id="295" name="Shape 295"/>
+          <p:cNvPr id="296" name="Shape 296"/>
           <p:cNvSpPr txBox="1"/>
           <p:nvPr>
             <p:ph idx="1" type="body"/>
@@ -2908,7 +2908,7 @@
   <p:cSld>
     <p:spTree>
       <p:nvGrpSpPr>
-        <p:cNvPr id="300" name="Shape 300"/>
+        <p:cNvPr id="301" name="Shape 301"/>
         <p:cNvGrpSpPr/>
         <p:nvPr/>
       </p:nvGrpSpPr>
@@ -2922,7 +2922,7 @@
       </p:grpSpPr>
       <p:sp>
         <p:nvSpPr>
-          <p:cNvPr id="301" name="Shape 301"/>
+          <p:cNvPr id="302" name="Shape 302"/>
           <p:cNvSpPr/>
           <p:nvPr>
             <p:ph idx="2" type="sldImg"/>
@@ -2956,7 +2956,7 @@
       </p:sp>
       <p:sp>
         <p:nvSpPr>
-          <p:cNvPr id="302" name="Shape 302"/>
+          <p:cNvPr id="303" name="Shape 303"/>
           <p:cNvSpPr txBox="1"/>
           <p:nvPr>
             <p:ph idx="1" type="body"/>
@@ -3003,7 +3003,7 @@
   <p:cSld>
     <p:spTree>
       <p:nvGrpSpPr>
-        <p:cNvPr id="307" name="Shape 307"/>
+        <p:cNvPr id="308" name="Shape 308"/>
         <p:cNvGrpSpPr/>
         <p:nvPr/>
       </p:nvGrpSpPr>
@@ -3017,7 +3017,7 @@
       </p:grpSpPr>
       <p:sp>
         <p:nvSpPr>
-          <p:cNvPr id="308" name="Shape 308"/>
+          <p:cNvPr id="309" name="Shape 309"/>
           <p:cNvSpPr/>
           <p:nvPr>
             <p:ph idx="2" type="sldImg"/>
@@ -3051,7 +3051,7 @@
       </p:sp>
       <p:sp>
         <p:nvSpPr>
-          <p:cNvPr id="309" name="Shape 309"/>
+          <p:cNvPr id="310" name="Shape 310"/>
           <p:cNvSpPr txBox="1"/>
           <p:nvPr>
             <p:ph idx="1" type="body"/>
@@ -3098,7 +3098,7 @@
   <p:cSld>
     <p:spTree>
       <p:nvGrpSpPr>
-        <p:cNvPr id="314" name="Shape 314"/>
+        <p:cNvPr id="315" name="Shape 315"/>
         <p:cNvGrpSpPr/>
         <p:nvPr/>
       </p:nvGrpSpPr>
@@ -3112,7 +3112,7 @@
       </p:grpSpPr>
       <p:sp>
         <p:nvSpPr>
-          <p:cNvPr id="315" name="Shape 315"/>
+          <p:cNvPr id="316" name="Shape 316"/>
           <p:cNvSpPr/>
           <p:nvPr>
             <p:ph idx="2" type="sldImg"/>
@@ -3146,7 +3146,7 @@
       </p:sp>
       <p:sp>
         <p:nvSpPr>
-          <p:cNvPr id="316" name="Shape 316"/>
+          <p:cNvPr id="317" name="Shape 317"/>
           <p:cNvSpPr txBox="1"/>
           <p:nvPr>
             <p:ph idx="1" type="body"/>
@@ -3193,7 +3193,7 @@
   <p:cSld>
     <p:spTree>
       <p:nvGrpSpPr>
-        <p:cNvPr id="321" name="Shape 321"/>
+        <p:cNvPr id="322" name="Shape 322"/>
         <p:cNvGrpSpPr/>
         <p:nvPr/>
       </p:nvGrpSpPr>
@@ -3207,7 +3207,7 @@
       </p:grpSpPr>
       <p:sp>
         <p:nvSpPr>
-          <p:cNvPr id="322" name="Shape 322"/>
+          <p:cNvPr id="323" name="Shape 323"/>
           <p:cNvSpPr/>
           <p:nvPr>
             <p:ph idx="2" type="sldImg"/>
@@ -3241,7 +3241,7 @@
       </p:sp>
       <p:sp>
         <p:nvSpPr>
-          <p:cNvPr id="323" name="Shape 323"/>
+          <p:cNvPr id="324" name="Shape 324"/>
           <p:cNvSpPr txBox="1"/>
           <p:nvPr>
             <p:ph idx="1" type="body"/>
@@ -3288,7 +3288,7 @@
   <p:cSld>
     <p:spTree>
       <p:nvGrpSpPr>
-        <p:cNvPr id="328" name="Shape 328"/>
+        <p:cNvPr id="329" name="Shape 329"/>
         <p:cNvGrpSpPr/>
         <p:nvPr/>
       </p:nvGrpSpPr>
@@ -3302,7 +3302,7 @@
       </p:grpSpPr>
       <p:sp>
         <p:nvSpPr>
-          <p:cNvPr id="329" name="Shape 329"/>
+          <p:cNvPr id="330" name="Shape 330"/>
           <p:cNvSpPr/>
           <p:nvPr>
             <p:ph idx="2" type="sldImg"/>
@@ -3336,7 +3336,7 @@
       </p:sp>
       <p:sp>
         <p:nvSpPr>
-          <p:cNvPr id="330" name="Shape 330"/>
+          <p:cNvPr id="331" name="Shape 331"/>
           <p:cNvSpPr txBox="1"/>
           <p:nvPr>
             <p:ph idx="1" type="body"/>
@@ -3383,7 +3383,7 @@
   <p:cSld>
     <p:spTree>
       <p:nvGrpSpPr>
-        <p:cNvPr id="335" name="Shape 335"/>
+        <p:cNvPr id="336" name="Shape 336"/>
         <p:cNvGrpSpPr/>
         <p:nvPr/>
       </p:nvGrpSpPr>
@@ -3397,7 +3397,7 @@
       </p:grpSpPr>
       <p:sp>
         <p:nvSpPr>
-          <p:cNvPr id="336" name="Shape 336"/>
+          <p:cNvPr id="337" name="Shape 337"/>
           <p:cNvSpPr/>
           <p:nvPr>
             <p:ph idx="2" type="sldImg"/>
@@ -3431,7 +3431,7 @@
       </p:sp>
       <p:sp>
         <p:nvSpPr>
-          <p:cNvPr id="337" name="Shape 337"/>
+          <p:cNvPr id="338" name="Shape 338"/>
           <p:cNvSpPr txBox="1"/>
           <p:nvPr>
             <p:ph idx="1" type="body"/>
@@ -3478,7 +3478,7 @@
   <p:cSld>
     <p:spTree>
       <p:nvGrpSpPr>
-        <p:cNvPr id="342" name="Shape 342"/>
+        <p:cNvPr id="343" name="Shape 343"/>
         <p:cNvGrpSpPr/>
         <p:nvPr/>
       </p:nvGrpSpPr>
@@ -3492,7 +3492,7 @@
       </p:grpSpPr>
       <p:sp>
         <p:nvSpPr>
-          <p:cNvPr id="343" name="Shape 343"/>
+          <p:cNvPr id="344" name="Shape 344"/>
           <p:cNvSpPr/>
           <p:nvPr>
             <p:ph idx="2" type="sldImg"/>
@@ -3526,7 +3526,7 @@
       </p:sp>
       <p:sp>
         <p:nvSpPr>
-          <p:cNvPr id="344" name="Shape 344"/>
+          <p:cNvPr id="345" name="Shape 345"/>
           <p:cNvSpPr txBox="1"/>
           <p:nvPr>
             <p:ph idx="1" type="body"/>
@@ -3668,7 +3668,7 @@
   <p:cSld>
     <p:spTree>
       <p:nvGrpSpPr>
-        <p:cNvPr id="348" name="Shape 348"/>
+        <p:cNvPr id="349" name="Shape 349"/>
         <p:cNvGrpSpPr/>
         <p:nvPr/>
       </p:nvGrpSpPr>
@@ -3682,7 +3682,7 @@
       </p:grpSpPr>
       <p:sp>
         <p:nvSpPr>
-          <p:cNvPr id="349" name="Shape 349"/>
+          <p:cNvPr id="350" name="Shape 350"/>
           <p:cNvSpPr/>
           <p:nvPr>
             <p:ph idx="2" type="sldImg"/>
@@ -3716,7 +3716,7 @@
       </p:sp>
       <p:sp>
         <p:nvSpPr>
-          <p:cNvPr id="350" name="Shape 350"/>
+          <p:cNvPr id="351" name="Shape 351"/>
           <p:cNvSpPr txBox="1"/>
           <p:nvPr>
             <p:ph idx="1" type="body"/>
@@ -3763,7 +3763,7 @@
   <p:cSld>
     <p:spTree>
       <p:nvGrpSpPr>
-        <p:cNvPr id="355" name="Shape 355"/>
+        <p:cNvPr id="356" name="Shape 356"/>
         <p:cNvGrpSpPr/>
         <p:nvPr/>
       </p:nvGrpSpPr>
@@ -3777,7 +3777,7 @@
       </p:grpSpPr>
       <p:sp>
         <p:nvSpPr>
-          <p:cNvPr id="356" name="Shape 356"/>
+          <p:cNvPr id="357" name="Shape 357"/>
           <p:cNvSpPr/>
           <p:nvPr>
             <p:ph idx="2" type="sldImg"/>
@@ -3811,7 +3811,7 @@
       </p:sp>
       <p:sp>
         <p:nvSpPr>
-          <p:cNvPr id="357" name="Shape 357"/>
+          <p:cNvPr id="358" name="Shape 358"/>
           <p:cNvSpPr txBox="1"/>
           <p:nvPr>
             <p:ph idx="1" type="body"/>
@@ -3858,7 +3858,7 @@
   <p:cSld>
     <p:spTree>
       <p:nvGrpSpPr>
-        <p:cNvPr id="362" name="Shape 362"/>
+        <p:cNvPr id="363" name="Shape 363"/>
         <p:cNvGrpSpPr/>
         <p:nvPr/>
       </p:nvGrpSpPr>
@@ -3872,7 +3872,7 @@
       </p:grpSpPr>
       <p:sp>
         <p:nvSpPr>
-          <p:cNvPr id="363" name="Shape 363"/>
+          <p:cNvPr id="364" name="Shape 364"/>
           <p:cNvSpPr/>
           <p:nvPr>
             <p:ph idx="2" type="sldImg"/>
@@ -3906,7 +3906,7 @@
       </p:sp>
       <p:sp>
         <p:nvSpPr>
-          <p:cNvPr id="364" name="Shape 364"/>
+          <p:cNvPr id="365" name="Shape 365"/>
           <p:cNvSpPr txBox="1"/>
           <p:nvPr>
             <p:ph idx="1" type="body"/>
@@ -3953,7 +3953,7 @@
   <p:cSld>
     <p:spTree>
       <p:nvGrpSpPr>
-        <p:cNvPr id="369" name="Shape 369"/>
+        <p:cNvPr id="370" name="Shape 370"/>
         <p:cNvGrpSpPr/>
         <p:nvPr/>
       </p:nvGrpSpPr>
@@ -3967,7 +3967,7 @@
       </p:grpSpPr>
       <p:sp>
         <p:nvSpPr>
-          <p:cNvPr id="370" name="Shape 370"/>
+          <p:cNvPr id="371" name="Shape 371"/>
           <p:cNvSpPr/>
           <p:nvPr>
             <p:ph idx="2" type="sldImg"/>
@@ -4001,7 +4001,7 @@
       </p:sp>
       <p:sp>
         <p:nvSpPr>
-          <p:cNvPr id="371" name="Shape 371"/>
+          <p:cNvPr id="372" name="Shape 372"/>
           <p:cNvSpPr txBox="1"/>
           <p:nvPr>
             <p:ph idx="1" type="body"/>
@@ -4048,7 +4048,7 @@
   <p:cSld>
     <p:spTree>
       <p:nvGrpSpPr>
-        <p:cNvPr id="376" name="Shape 376"/>
+        <p:cNvPr id="377" name="Shape 377"/>
         <p:cNvGrpSpPr/>
         <p:nvPr/>
       </p:nvGrpSpPr>
@@ -4062,7 +4062,7 @@
       </p:grpSpPr>
       <p:sp>
         <p:nvSpPr>
-          <p:cNvPr id="377" name="Shape 377"/>
+          <p:cNvPr id="378" name="Shape 378"/>
           <p:cNvSpPr/>
           <p:nvPr>
             <p:ph idx="2" type="sldImg"/>
@@ -4096,7 +4096,7 @@
       </p:sp>
       <p:sp>
         <p:nvSpPr>
-          <p:cNvPr id="378" name="Shape 378"/>
+          <p:cNvPr id="379" name="Shape 379"/>
           <p:cNvSpPr txBox="1"/>
           <p:nvPr>
             <p:ph idx="1" type="body"/>
@@ -4143,7 +4143,7 @@
   <p:cSld>
     <p:spTree>
       <p:nvGrpSpPr>
-        <p:cNvPr id="383" name="Shape 383"/>
+        <p:cNvPr id="384" name="Shape 384"/>
         <p:cNvGrpSpPr/>
         <p:nvPr/>
       </p:nvGrpSpPr>
@@ -4157,7 +4157,7 @@
       </p:grpSpPr>
       <p:sp>
         <p:nvSpPr>
-          <p:cNvPr id="384" name="Shape 384"/>
+          <p:cNvPr id="385" name="Shape 385"/>
           <p:cNvSpPr/>
           <p:nvPr>
             <p:ph idx="2" type="sldImg"/>
@@ -4191,7 +4191,7 @@
       </p:sp>
       <p:sp>
         <p:nvSpPr>
-          <p:cNvPr id="385" name="Shape 385"/>
+          <p:cNvPr id="386" name="Shape 386"/>
           <p:cNvSpPr txBox="1"/>
           <p:nvPr>
             <p:ph idx="1" type="body"/>
@@ -4238,7 +4238,7 @@
   <p:cSld>
     <p:spTree>
       <p:nvGrpSpPr>
-        <p:cNvPr id="390" name="Shape 390"/>
+        <p:cNvPr id="391" name="Shape 391"/>
         <p:cNvGrpSpPr/>
         <p:nvPr/>
       </p:nvGrpSpPr>
@@ -4252,7 +4252,7 @@
       </p:grpSpPr>
       <p:sp>
         <p:nvSpPr>
-          <p:cNvPr id="391" name="Shape 391"/>
+          <p:cNvPr id="392" name="Shape 392"/>
           <p:cNvSpPr/>
           <p:nvPr>
             <p:ph idx="2" type="sldImg"/>
@@ -4286,7 +4286,7 @@
       </p:sp>
       <p:sp>
         <p:nvSpPr>
-          <p:cNvPr id="392" name="Shape 392"/>
+          <p:cNvPr id="393" name="Shape 393"/>
           <p:cNvSpPr txBox="1"/>
           <p:nvPr>
             <p:ph idx="1" type="body"/>
@@ -4333,7 +4333,7 @@
   <p:cSld>
     <p:spTree>
       <p:nvGrpSpPr>
-        <p:cNvPr id="397" name="Shape 397"/>
+        <p:cNvPr id="398" name="Shape 398"/>
         <p:cNvGrpSpPr/>
         <p:nvPr/>
       </p:nvGrpSpPr>
@@ -4347,7 +4347,7 @@
       </p:grpSpPr>
       <p:sp>
         <p:nvSpPr>
-          <p:cNvPr id="398" name="Shape 398"/>
+          <p:cNvPr id="399" name="Shape 399"/>
           <p:cNvSpPr/>
           <p:nvPr>
             <p:ph idx="2" type="sldImg"/>
@@ -4381,7 +4381,7 @@
       </p:sp>
       <p:sp>
         <p:nvSpPr>
-          <p:cNvPr id="399" name="Shape 399"/>
+          <p:cNvPr id="400" name="Shape 400"/>
           <p:cNvSpPr txBox="1"/>
           <p:nvPr>
             <p:ph idx="1" type="body"/>
@@ -4428,7 +4428,7 @@
   <p:cSld>
     <p:spTree>
       <p:nvGrpSpPr>
-        <p:cNvPr id="404" name="Shape 404"/>
+        <p:cNvPr id="405" name="Shape 405"/>
         <p:cNvGrpSpPr/>
         <p:nvPr/>
       </p:nvGrpSpPr>
@@ -4442,7 +4442,7 @@
       </p:grpSpPr>
       <p:sp>
         <p:nvSpPr>
-          <p:cNvPr id="405" name="Shape 405"/>
+          <p:cNvPr id="406" name="Shape 406"/>
           <p:cNvSpPr/>
           <p:nvPr>
             <p:ph idx="2" type="sldImg"/>
@@ -4476,7 +4476,7 @@
       </p:sp>
       <p:sp>
         <p:nvSpPr>
-          <p:cNvPr id="406" name="Shape 406"/>
+          <p:cNvPr id="407" name="Shape 407"/>
           <p:cNvSpPr txBox="1"/>
           <p:nvPr>
             <p:ph idx="1" type="body"/>
@@ -4523,7 +4523,7 @@
   <p:cSld>
     <p:spTree>
       <p:nvGrpSpPr>
-        <p:cNvPr id="411" name="Shape 411"/>
+        <p:cNvPr id="412" name="Shape 412"/>
         <p:cNvGrpSpPr/>
         <p:nvPr/>
       </p:nvGrpSpPr>
@@ -4537,7 +4537,7 @@
       </p:grpSpPr>
       <p:sp>
         <p:nvSpPr>
-          <p:cNvPr id="412" name="Shape 412"/>
+          <p:cNvPr id="413" name="Shape 413"/>
           <p:cNvSpPr/>
           <p:nvPr>
             <p:ph idx="2" type="sldImg"/>
@@ -4571,7 +4571,7 @@
       </p:sp>
       <p:sp>
         <p:nvSpPr>
-          <p:cNvPr id="413" name="Shape 413"/>
+          <p:cNvPr id="414" name="Shape 414"/>
           <p:cNvSpPr txBox="1"/>
           <p:nvPr>
             <p:ph idx="1" type="body"/>
@@ -4713,7 +4713,7 @@
   <p:cSld>
     <p:spTree>
       <p:nvGrpSpPr>
-        <p:cNvPr id="418" name="Shape 418"/>
+        <p:cNvPr id="419" name="Shape 419"/>
         <p:cNvGrpSpPr/>
         <p:nvPr/>
       </p:nvGrpSpPr>
@@ -4727,7 +4727,7 @@
       </p:grpSpPr>
       <p:sp>
         <p:nvSpPr>
-          <p:cNvPr id="419" name="Shape 419"/>
+          <p:cNvPr id="420" name="Shape 420"/>
           <p:cNvSpPr/>
           <p:nvPr>
             <p:ph idx="2" type="sldImg"/>
@@ -4761,7 +4761,7 @@
       </p:sp>
       <p:sp>
         <p:nvSpPr>
-          <p:cNvPr id="420" name="Shape 420"/>
+          <p:cNvPr id="421" name="Shape 421"/>
           <p:cNvSpPr txBox="1"/>
           <p:nvPr>
             <p:ph idx="1" type="body"/>
@@ -4808,7 +4808,7 @@
   <p:cSld>
     <p:spTree>
       <p:nvGrpSpPr>
-        <p:cNvPr id="425" name="Shape 425"/>
+        <p:cNvPr id="426" name="Shape 426"/>
         <p:cNvGrpSpPr/>
         <p:nvPr/>
       </p:nvGrpSpPr>
@@ -4822,7 +4822,7 @@
       </p:grpSpPr>
       <p:sp>
         <p:nvSpPr>
-          <p:cNvPr id="426" name="Shape 426"/>
+          <p:cNvPr id="427" name="Shape 427"/>
           <p:cNvSpPr/>
           <p:nvPr>
             <p:ph idx="2" type="sldImg"/>
@@ -4856,7 +4856,7 @@
       </p:sp>
       <p:sp>
         <p:nvSpPr>
-          <p:cNvPr id="427" name="Shape 427"/>
+          <p:cNvPr id="428" name="Shape 428"/>
           <p:cNvSpPr txBox="1"/>
           <p:nvPr>
             <p:ph idx="1" type="body"/>
@@ -4903,7 +4903,7 @@
   <p:cSld>
     <p:spTree>
       <p:nvGrpSpPr>
-        <p:cNvPr id="432" name="Shape 432"/>
+        <p:cNvPr id="433" name="Shape 433"/>
         <p:cNvGrpSpPr/>
         <p:nvPr/>
       </p:nvGrpSpPr>
@@ -4917,7 +4917,7 @@
       </p:grpSpPr>
       <p:sp>
         <p:nvSpPr>
-          <p:cNvPr id="433" name="Shape 433"/>
+          <p:cNvPr id="434" name="Shape 434"/>
           <p:cNvSpPr/>
           <p:nvPr>
             <p:ph idx="2" type="sldImg"/>
@@ -4951,7 +4951,7 @@
       </p:sp>
       <p:sp>
         <p:nvSpPr>
-          <p:cNvPr id="434" name="Shape 434"/>
+          <p:cNvPr id="435" name="Shape 435"/>
           <p:cNvSpPr txBox="1"/>
           <p:nvPr>
             <p:ph idx="1" type="body"/>
@@ -4998,7 +4998,7 @@
   <p:cSld>
     <p:spTree>
       <p:nvGrpSpPr>
-        <p:cNvPr id="439" name="Shape 439"/>
+        <p:cNvPr id="440" name="Shape 440"/>
         <p:cNvGrpSpPr/>
         <p:nvPr/>
       </p:nvGrpSpPr>
@@ -5012,7 +5012,7 @@
       </p:grpSpPr>
       <p:sp>
         <p:nvSpPr>
-          <p:cNvPr id="440" name="Shape 440"/>
+          <p:cNvPr id="441" name="Shape 441"/>
           <p:cNvSpPr/>
           <p:nvPr>
             <p:ph idx="2" type="sldImg"/>
@@ -5046,7 +5046,7 @@
       </p:sp>
       <p:sp>
         <p:nvSpPr>
-          <p:cNvPr id="441" name="Shape 441"/>
+          <p:cNvPr id="442" name="Shape 442"/>
           <p:cNvSpPr txBox="1"/>
           <p:nvPr>
             <p:ph idx="1" type="body"/>
@@ -5093,7 +5093,7 @@
   <p:cSld>
     <p:spTree>
       <p:nvGrpSpPr>
-        <p:cNvPr id="446" name="Shape 446"/>
+        <p:cNvPr id="447" name="Shape 447"/>
         <p:cNvGrpSpPr/>
         <p:nvPr/>
       </p:nvGrpSpPr>
@@ -5107,7 +5107,7 @@
       </p:grpSpPr>
       <p:sp>
         <p:nvSpPr>
-          <p:cNvPr id="447" name="Shape 447"/>
+          <p:cNvPr id="448" name="Shape 448"/>
           <p:cNvSpPr/>
           <p:nvPr>
             <p:ph idx="2" type="sldImg"/>
@@ -5141,7 +5141,7 @@
       </p:sp>
       <p:sp>
         <p:nvSpPr>
-          <p:cNvPr id="448" name="Shape 448"/>
+          <p:cNvPr id="449" name="Shape 449"/>
           <p:cNvSpPr txBox="1"/>
           <p:nvPr>
             <p:ph idx="1" type="body"/>
@@ -5188,7 +5188,7 @@
   <p:cSld>
     <p:spTree>
       <p:nvGrpSpPr>
-        <p:cNvPr id="453" name="Shape 453"/>
+        <p:cNvPr id="454" name="Shape 454"/>
         <p:cNvGrpSpPr/>
         <p:nvPr/>
       </p:nvGrpSpPr>
@@ -5202,7 +5202,7 @@
       </p:grpSpPr>
       <p:sp>
         <p:nvSpPr>
-          <p:cNvPr id="454" name="Shape 454"/>
+          <p:cNvPr id="455" name="Shape 455"/>
           <p:cNvSpPr/>
           <p:nvPr>
             <p:ph idx="2" type="sldImg"/>
@@ -5236,7 +5236,7 @@
       </p:sp>
       <p:sp>
         <p:nvSpPr>
-          <p:cNvPr id="455" name="Shape 455"/>
+          <p:cNvPr id="456" name="Shape 456"/>
           <p:cNvSpPr txBox="1"/>
           <p:nvPr>
             <p:ph idx="1" type="body"/>
@@ -5283,7 +5283,7 @@
   <p:cSld>
     <p:spTree>
       <p:nvGrpSpPr>
-        <p:cNvPr id="460" name="Shape 460"/>
+        <p:cNvPr id="461" name="Shape 461"/>
         <p:cNvGrpSpPr/>
         <p:nvPr/>
       </p:nvGrpSpPr>
@@ -5297,7 +5297,7 @@
       </p:grpSpPr>
       <p:sp>
         <p:nvSpPr>
-          <p:cNvPr id="461" name="Shape 461"/>
+          <p:cNvPr id="462" name="Shape 462"/>
           <p:cNvSpPr/>
           <p:nvPr>
             <p:ph idx="2" type="sldImg"/>
@@ -5331,7 +5331,7 @@
       </p:sp>
       <p:sp>
         <p:nvSpPr>
-          <p:cNvPr id="462" name="Shape 462"/>
+          <p:cNvPr id="463" name="Shape 463"/>
           <p:cNvSpPr txBox="1"/>
           <p:nvPr>
             <p:ph idx="1" type="body"/>
@@ -5378,7 +5378,7 @@
   <p:cSld>
     <p:spTree>
       <p:nvGrpSpPr>
-        <p:cNvPr id="467" name="Shape 467"/>
+        <p:cNvPr id="468" name="Shape 468"/>
         <p:cNvGrpSpPr/>
         <p:nvPr/>
       </p:nvGrpSpPr>
@@ -5392,7 +5392,7 @@
       </p:grpSpPr>
       <p:sp>
         <p:nvSpPr>
-          <p:cNvPr id="468" name="Shape 468"/>
+          <p:cNvPr id="469" name="Shape 469"/>
           <p:cNvSpPr/>
           <p:nvPr>
             <p:ph idx="2" type="sldImg"/>
@@ -5426,7 +5426,7 @@
       </p:sp>
       <p:sp>
         <p:nvSpPr>
-          <p:cNvPr id="469" name="Shape 469"/>
+          <p:cNvPr id="470" name="Shape 470"/>
           <p:cNvSpPr txBox="1"/>
           <p:nvPr>
             <p:ph idx="1" type="body"/>
@@ -5473,7 +5473,7 @@
   <p:cSld>
     <p:spTree>
       <p:nvGrpSpPr>
-        <p:cNvPr id="474" name="Shape 474"/>
+        <p:cNvPr id="475" name="Shape 475"/>
         <p:cNvGrpSpPr/>
         <p:nvPr/>
       </p:nvGrpSpPr>
@@ -5487,7 +5487,7 @@
       </p:grpSpPr>
       <p:sp>
         <p:nvSpPr>
-          <p:cNvPr id="475" name="Shape 475"/>
+          <p:cNvPr id="476" name="Shape 476"/>
           <p:cNvSpPr/>
           <p:nvPr>
             <p:ph idx="2" type="sldImg"/>
@@ -5521,7 +5521,7 @@
       </p:sp>
       <p:sp>
         <p:nvSpPr>
-          <p:cNvPr id="476" name="Shape 476"/>
+          <p:cNvPr id="477" name="Shape 477"/>
           <p:cNvSpPr txBox="1"/>
           <p:nvPr>
             <p:ph idx="1" type="body"/>
@@ -5568,7 +5568,7 @@
   <p:cSld>
     <p:spTree>
       <p:nvGrpSpPr>
-        <p:cNvPr id="481" name="Shape 481"/>
+        <p:cNvPr id="482" name="Shape 482"/>
         <p:cNvGrpSpPr/>
         <p:nvPr/>
       </p:nvGrpSpPr>
@@ -5582,7 +5582,7 @@
       </p:grpSpPr>
       <p:sp>
         <p:nvSpPr>
-          <p:cNvPr id="482" name="Shape 482"/>
+          <p:cNvPr id="483" name="Shape 483"/>
           <p:cNvSpPr/>
           <p:nvPr>
             <p:ph idx="2" type="sldImg"/>
@@ -5616,7 +5616,7 @@
       </p:sp>
       <p:sp>
         <p:nvSpPr>
-          <p:cNvPr id="483" name="Shape 483"/>
+          <p:cNvPr id="484" name="Shape 484"/>
           <p:cNvSpPr txBox="1"/>
           <p:nvPr>
             <p:ph idx="1" type="body"/>
@@ -11201,6 +11201,34 @@
           </a:p>
         </p:txBody>
       </p:sp>
+      <p:pic>
+        <p:nvPicPr>
+          <p:cNvPr descr="1kynth.jpg" id="148" name="Shape 148"/>
+          <p:cNvPicPr preferRelativeResize="0"/>
+          <p:nvPr/>
+        </p:nvPicPr>
+        <p:blipFill>
+          <a:blip r:embed="rId3">
+            <a:alphaModFix/>
+          </a:blip>
+          <a:stretch>
+            <a:fillRect/>
+          </a:stretch>
+        </p:blipFill>
+        <p:spPr>
+          <a:xfrm>
+            <a:off x="3709875" y="1340370"/>
+            <a:ext cx="3739424" cy="2804575"/>
+          </a:xfrm>
+          <a:prstGeom prst="rect">
+            <a:avLst/>
+          </a:prstGeom>
+          <a:noFill/>
+          <a:ln>
+            <a:noFill/>
+          </a:ln>
+        </p:spPr>
+      </p:pic>
     </p:spTree>
   </p:cSld>
   <p:clrMapOvr>
@@ -11214,7 +11242,7 @@
   <p:cSld>
     <p:spTree>
       <p:nvGrpSpPr>
-        <p:cNvPr id="151" name="Shape 151"/>
+        <p:cNvPr id="152" name="Shape 152"/>
         <p:cNvGrpSpPr/>
         <p:nvPr/>
       </p:nvGrpSpPr>
@@ -11228,7 +11256,7 @@
       </p:grpSpPr>
       <p:sp>
         <p:nvSpPr>
-          <p:cNvPr id="152" name="Shape 152"/>
+          <p:cNvPr id="153" name="Shape 153"/>
           <p:cNvSpPr txBox="1"/>
           <p:nvPr>
             <p:ph type="title"/>
@@ -11264,7 +11292,7 @@
       </p:sp>
       <p:sp>
         <p:nvSpPr>
-          <p:cNvPr id="153" name="Shape 153"/>
+          <p:cNvPr id="154" name="Shape 154"/>
           <p:cNvSpPr txBox="1"/>
           <p:nvPr>
             <p:ph idx="1" type="body"/>
@@ -11383,7 +11411,7 @@
       </p:sp>
       <p:sp>
         <p:nvSpPr>
-          <p:cNvPr id="154" name="Shape 154"/>
+          <p:cNvPr id="155" name="Shape 155"/>
           <p:cNvSpPr txBox="1"/>
           <p:nvPr>
             <p:ph idx="2" type="body"/>
@@ -11529,7 +11557,7 @@
   <p:cSld>
     <p:spTree>
       <p:nvGrpSpPr>
-        <p:cNvPr id="158" name="Shape 158"/>
+        <p:cNvPr id="159" name="Shape 159"/>
         <p:cNvGrpSpPr/>
         <p:nvPr/>
       </p:nvGrpSpPr>
@@ -11543,7 +11571,7 @@
       </p:grpSpPr>
       <p:sp>
         <p:nvSpPr>
-          <p:cNvPr id="159" name="Shape 159"/>
+          <p:cNvPr id="160" name="Shape 160"/>
           <p:cNvSpPr txBox="1"/>
           <p:nvPr>
             <p:ph type="title"/>
@@ -11579,7 +11607,7 @@
       </p:sp>
       <p:sp>
         <p:nvSpPr>
-          <p:cNvPr id="160" name="Shape 160"/>
+          <p:cNvPr id="161" name="Shape 161"/>
           <p:cNvSpPr txBox="1"/>
           <p:nvPr>
             <p:ph idx="1" type="body"/>
@@ -11676,7 +11704,7 @@
       </p:sp>
       <p:sp>
         <p:nvSpPr>
-          <p:cNvPr id="161" name="Shape 161"/>
+          <p:cNvPr id="162" name="Shape 162"/>
           <p:cNvSpPr txBox="1"/>
           <p:nvPr>
             <p:ph idx="2" type="body"/>
@@ -11781,7 +11809,7 @@
   <p:cSld>
     <p:spTree>
       <p:nvGrpSpPr>
-        <p:cNvPr id="165" name="Shape 165"/>
+        <p:cNvPr id="166" name="Shape 166"/>
         <p:cNvGrpSpPr/>
         <p:nvPr/>
       </p:nvGrpSpPr>
@@ -11795,7 +11823,7 @@
       </p:grpSpPr>
       <p:sp>
         <p:nvSpPr>
-          <p:cNvPr id="166" name="Shape 166"/>
+          <p:cNvPr id="167" name="Shape 167"/>
           <p:cNvSpPr txBox="1"/>
           <p:nvPr>
             <p:ph type="title"/>
@@ -11831,7 +11859,7 @@
       </p:sp>
       <p:sp>
         <p:nvSpPr>
-          <p:cNvPr id="167" name="Shape 167"/>
+          <p:cNvPr id="168" name="Shape 168"/>
           <p:cNvSpPr txBox="1"/>
           <p:nvPr>
             <p:ph idx="1" type="body"/>
@@ -11947,7 +11975,7 @@
       </p:sp>
       <p:sp>
         <p:nvSpPr>
-          <p:cNvPr id="168" name="Shape 168"/>
+          <p:cNvPr id="169" name="Shape 169"/>
           <p:cNvSpPr txBox="1"/>
           <p:nvPr>
             <p:ph idx="2" type="body"/>
@@ -12074,7 +12102,7 @@
   <p:cSld>
     <p:spTree>
       <p:nvGrpSpPr>
-        <p:cNvPr id="172" name="Shape 172"/>
+        <p:cNvPr id="173" name="Shape 173"/>
         <p:cNvGrpSpPr/>
         <p:nvPr/>
       </p:nvGrpSpPr>
@@ -12088,7 +12116,7 @@
       </p:grpSpPr>
       <p:sp>
         <p:nvSpPr>
-          <p:cNvPr id="173" name="Shape 173"/>
+          <p:cNvPr id="174" name="Shape 174"/>
           <p:cNvSpPr txBox="1"/>
           <p:nvPr>
             <p:ph type="title"/>
@@ -12124,7 +12152,7 @@
       </p:sp>
       <p:sp>
         <p:nvSpPr>
-          <p:cNvPr id="174" name="Shape 174"/>
+          <p:cNvPr id="175" name="Shape 175"/>
           <p:cNvSpPr txBox="1"/>
           <p:nvPr>
             <p:ph idx="1" type="body"/>
@@ -12240,7 +12268,7 @@
       </p:sp>
       <p:sp>
         <p:nvSpPr>
-          <p:cNvPr id="175" name="Shape 175"/>
+          <p:cNvPr id="176" name="Shape 176"/>
           <p:cNvSpPr txBox="1"/>
           <p:nvPr>
             <p:ph idx="2" type="body"/>
@@ -12332,7 +12360,7 @@
   <p:cSld>
     <p:spTree>
       <p:nvGrpSpPr>
-        <p:cNvPr id="179" name="Shape 179"/>
+        <p:cNvPr id="180" name="Shape 180"/>
         <p:cNvGrpSpPr/>
         <p:nvPr/>
       </p:nvGrpSpPr>
@@ -12346,7 +12374,7 @@
       </p:grpSpPr>
       <p:sp>
         <p:nvSpPr>
-          <p:cNvPr id="180" name="Shape 180"/>
+          <p:cNvPr id="181" name="Shape 181"/>
           <p:cNvSpPr txBox="1"/>
           <p:nvPr>
             <p:ph type="title"/>
@@ -12382,7 +12410,7 @@
       </p:sp>
       <p:sp>
         <p:nvSpPr>
-          <p:cNvPr id="181" name="Shape 181"/>
+          <p:cNvPr id="182" name="Shape 182"/>
           <p:cNvSpPr txBox="1"/>
           <p:nvPr>
             <p:ph idx="1" type="body"/>
@@ -12463,7 +12491,7 @@
       </p:sp>
       <p:sp>
         <p:nvSpPr>
-          <p:cNvPr id="182" name="Shape 182"/>
+          <p:cNvPr id="183" name="Shape 183"/>
           <p:cNvSpPr txBox="1"/>
           <p:nvPr>
             <p:ph idx="2" type="body"/>
@@ -12555,7 +12583,7 @@
   <p:cSld>
     <p:spTree>
       <p:nvGrpSpPr>
-        <p:cNvPr id="186" name="Shape 186"/>
+        <p:cNvPr id="187" name="Shape 187"/>
         <p:cNvGrpSpPr/>
         <p:nvPr/>
       </p:nvGrpSpPr>
@@ -12569,7 +12597,7 @@
       </p:grpSpPr>
       <p:sp>
         <p:nvSpPr>
-          <p:cNvPr id="187" name="Shape 187"/>
+          <p:cNvPr id="188" name="Shape 188"/>
           <p:cNvSpPr txBox="1"/>
           <p:nvPr>
             <p:ph type="title"/>
@@ -12605,7 +12633,7 @@
       </p:sp>
       <p:sp>
         <p:nvSpPr>
-          <p:cNvPr id="188" name="Shape 188"/>
+          <p:cNvPr id="189" name="Shape 189"/>
           <p:cNvSpPr txBox="1"/>
           <p:nvPr>
             <p:ph idx="1" type="body"/>
@@ -12705,7 +12733,7 @@
       </p:sp>
       <p:sp>
         <p:nvSpPr>
-          <p:cNvPr id="189" name="Shape 189"/>
+          <p:cNvPr id="190" name="Shape 190"/>
           <p:cNvSpPr txBox="1"/>
           <p:nvPr>
             <p:ph idx="2" type="body"/>
@@ -12835,7 +12863,7 @@
   <p:cSld>
     <p:spTree>
       <p:nvGrpSpPr>
-        <p:cNvPr id="193" name="Shape 193"/>
+        <p:cNvPr id="194" name="Shape 194"/>
         <p:cNvGrpSpPr/>
         <p:nvPr/>
       </p:nvGrpSpPr>
@@ -12849,7 +12877,7 @@
       </p:grpSpPr>
       <p:sp>
         <p:nvSpPr>
-          <p:cNvPr id="194" name="Shape 194"/>
+          <p:cNvPr id="195" name="Shape 195"/>
           <p:cNvSpPr txBox="1"/>
           <p:nvPr>
             <p:ph type="title"/>
@@ -12885,7 +12913,7 @@
       </p:sp>
       <p:sp>
         <p:nvSpPr>
-          <p:cNvPr id="195" name="Shape 195"/>
+          <p:cNvPr id="196" name="Shape 196"/>
           <p:cNvSpPr txBox="1"/>
           <p:nvPr>
             <p:ph type="title"/>
@@ -12932,7 +12960,7 @@
   <p:cSld>
     <p:spTree>
       <p:nvGrpSpPr>
-        <p:cNvPr id="199" name="Shape 199"/>
+        <p:cNvPr id="200" name="Shape 200"/>
         <p:cNvGrpSpPr/>
         <p:nvPr/>
       </p:nvGrpSpPr>
@@ -12946,7 +12974,7 @@
       </p:grpSpPr>
       <p:sp>
         <p:nvSpPr>
-          <p:cNvPr id="200" name="Shape 200"/>
+          <p:cNvPr id="201" name="Shape 201"/>
           <p:cNvSpPr txBox="1"/>
           <p:nvPr>
             <p:ph type="title"/>
@@ -12982,7 +13010,7 @@
       </p:sp>
       <p:sp>
         <p:nvSpPr>
-          <p:cNvPr id="201" name="Shape 201"/>
+          <p:cNvPr id="202" name="Shape 202"/>
           <p:cNvSpPr txBox="1"/>
           <p:nvPr>
             <p:ph idx="1" type="body"/>
@@ -13082,7 +13110,7 @@
       </p:sp>
       <p:sp>
         <p:nvSpPr>
-          <p:cNvPr id="202" name="Shape 202"/>
+          <p:cNvPr id="203" name="Shape 203"/>
           <p:cNvSpPr txBox="1"/>
           <p:nvPr>
             <p:ph idx="2" type="body"/>
@@ -13250,7 +13278,7 @@
   <p:cSld>
     <p:spTree>
       <p:nvGrpSpPr>
-        <p:cNvPr id="206" name="Shape 206"/>
+        <p:cNvPr id="207" name="Shape 207"/>
         <p:cNvGrpSpPr/>
         <p:nvPr/>
       </p:nvGrpSpPr>
@@ -13264,7 +13292,7 @@
       </p:grpSpPr>
       <p:sp>
         <p:nvSpPr>
-          <p:cNvPr id="207" name="Shape 207"/>
+          <p:cNvPr id="208" name="Shape 208"/>
           <p:cNvSpPr txBox="1"/>
           <p:nvPr>
             <p:ph type="title"/>
@@ -13300,7 +13328,7 @@
       </p:sp>
       <p:sp>
         <p:nvSpPr>
-          <p:cNvPr id="208" name="Shape 208"/>
+          <p:cNvPr id="209" name="Shape 209"/>
           <p:cNvSpPr txBox="1"/>
           <p:nvPr>
             <p:ph idx="1" type="body"/>
@@ -13400,7 +13428,7 @@
       </p:sp>
       <p:sp>
         <p:nvSpPr>
-          <p:cNvPr id="209" name="Shape 209"/>
+          <p:cNvPr id="210" name="Shape 210"/>
           <p:cNvSpPr txBox="1"/>
           <p:nvPr>
             <p:ph idx="2" type="body"/>
@@ -13658,7 +13686,7 @@
   <p:cSld>
     <p:spTree>
       <p:nvGrpSpPr>
-        <p:cNvPr id="213" name="Shape 213"/>
+        <p:cNvPr id="214" name="Shape 214"/>
         <p:cNvGrpSpPr/>
         <p:nvPr/>
       </p:nvGrpSpPr>
@@ -13672,7 +13700,7 @@
       </p:grpSpPr>
       <p:sp>
         <p:nvSpPr>
-          <p:cNvPr id="214" name="Shape 214"/>
+          <p:cNvPr id="215" name="Shape 215"/>
           <p:cNvSpPr txBox="1"/>
           <p:nvPr>
             <p:ph type="title"/>
@@ -13708,7 +13736,7 @@
       </p:sp>
       <p:sp>
         <p:nvSpPr>
-          <p:cNvPr id="215" name="Shape 215"/>
+          <p:cNvPr id="216" name="Shape 216"/>
           <p:cNvSpPr txBox="1"/>
           <p:nvPr>
             <p:ph idx="1" type="body"/>
@@ -13805,7 +13833,7 @@
       </p:sp>
       <p:sp>
         <p:nvSpPr>
-          <p:cNvPr id="216" name="Shape 216"/>
+          <p:cNvPr id="217" name="Shape 217"/>
           <p:cNvSpPr txBox="1"/>
           <p:nvPr>
             <p:ph idx="2" type="body"/>
@@ -13856,7 +13884,7 @@
   <p:cSld>
     <p:spTree>
       <p:nvGrpSpPr>
-        <p:cNvPr id="220" name="Shape 220"/>
+        <p:cNvPr id="221" name="Shape 221"/>
         <p:cNvGrpSpPr/>
         <p:nvPr/>
       </p:nvGrpSpPr>
@@ -13870,7 +13898,7 @@
       </p:grpSpPr>
       <p:sp>
         <p:nvSpPr>
-          <p:cNvPr id="221" name="Shape 221"/>
+          <p:cNvPr id="222" name="Shape 222"/>
           <p:cNvSpPr txBox="1"/>
           <p:nvPr>
             <p:ph type="title"/>
@@ -13906,7 +13934,7 @@
       </p:sp>
       <p:sp>
         <p:nvSpPr>
-          <p:cNvPr id="222" name="Shape 222"/>
+          <p:cNvPr id="223" name="Shape 223"/>
           <p:cNvSpPr txBox="1"/>
           <p:nvPr>
             <p:ph idx="1" type="body"/>
@@ -14041,7 +14069,7 @@
       </p:sp>
       <p:sp>
         <p:nvSpPr>
-          <p:cNvPr id="223" name="Shape 223"/>
+          <p:cNvPr id="224" name="Shape 224"/>
           <p:cNvSpPr txBox="1"/>
           <p:nvPr>
             <p:ph idx="2" type="body"/>
@@ -14171,7 +14199,7 @@
   <p:cSld>
     <p:spTree>
       <p:nvGrpSpPr>
-        <p:cNvPr id="227" name="Shape 227"/>
+        <p:cNvPr id="228" name="Shape 228"/>
         <p:cNvGrpSpPr/>
         <p:nvPr/>
       </p:nvGrpSpPr>
@@ -14185,7 +14213,7 @@
       </p:grpSpPr>
       <p:sp>
         <p:nvSpPr>
-          <p:cNvPr id="228" name="Shape 228"/>
+          <p:cNvPr id="229" name="Shape 229"/>
           <p:cNvSpPr txBox="1"/>
           <p:nvPr>
             <p:ph type="title"/>
@@ -14221,7 +14249,7 @@
       </p:sp>
       <p:sp>
         <p:nvSpPr>
-          <p:cNvPr id="229" name="Shape 229"/>
+          <p:cNvPr id="230" name="Shape 230"/>
           <p:cNvSpPr txBox="1"/>
           <p:nvPr>
             <p:ph idx="1" type="body"/>
@@ -14340,7 +14368,7 @@
       </p:sp>
       <p:sp>
         <p:nvSpPr>
-          <p:cNvPr id="230" name="Shape 230"/>
+          <p:cNvPr id="231" name="Shape 231"/>
           <p:cNvSpPr txBox="1"/>
           <p:nvPr>
             <p:ph idx="2" type="body"/>
@@ -14451,7 +14479,7 @@
   <p:cSld>
     <p:spTree>
       <p:nvGrpSpPr>
-        <p:cNvPr id="234" name="Shape 234"/>
+        <p:cNvPr id="235" name="Shape 235"/>
         <p:cNvGrpSpPr/>
         <p:nvPr/>
       </p:nvGrpSpPr>
@@ -14465,7 +14493,7 @@
       </p:grpSpPr>
       <p:sp>
         <p:nvSpPr>
-          <p:cNvPr id="235" name="Shape 235"/>
+          <p:cNvPr id="236" name="Shape 236"/>
           <p:cNvSpPr txBox="1"/>
           <p:nvPr>
             <p:ph type="title"/>
@@ -14501,7 +14529,7 @@
       </p:sp>
       <p:sp>
         <p:nvSpPr>
-          <p:cNvPr id="236" name="Shape 236"/>
+          <p:cNvPr id="237" name="Shape 237"/>
           <p:cNvSpPr txBox="1"/>
           <p:nvPr>
             <p:ph idx="1" type="body"/>
@@ -14582,7 +14610,7 @@
       </p:sp>
       <p:sp>
         <p:nvSpPr>
-          <p:cNvPr id="237" name="Shape 237"/>
+          <p:cNvPr id="238" name="Shape 238"/>
           <p:cNvSpPr txBox="1"/>
           <p:nvPr>
             <p:ph idx="2" type="body"/>
@@ -14655,7 +14683,7 @@
   <p:cSld>
     <p:spTree>
       <p:nvGrpSpPr>
-        <p:cNvPr id="241" name="Shape 241"/>
+        <p:cNvPr id="242" name="Shape 242"/>
         <p:cNvGrpSpPr/>
         <p:nvPr/>
       </p:nvGrpSpPr>
@@ -14669,7 +14697,7 @@
       </p:grpSpPr>
       <p:sp>
         <p:nvSpPr>
-          <p:cNvPr id="242" name="Shape 242"/>
+          <p:cNvPr id="243" name="Shape 243"/>
           <p:cNvSpPr txBox="1"/>
           <p:nvPr>
             <p:ph type="title"/>
@@ -14705,7 +14733,7 @@
       </p:sp>
       <p:sp>
         <p:nvSpPr>
-          <p:cNvPr id="243" name="Shape 243"/>
+          <p:cNvPr id="244" name="Shape 244"/>
           <p:cNvSpPr txBox="1"/>
           <p:nvPr>
             <p:ph idx="1" type="body"/>
@@ -14752,7 +14780,7 @@
   <p:cSld>
     <p:spTree>
       <p:nvGrpSpPr>
-        <p:cNvPr id="247" name="Shape 247"/>
+        <p:cNvPr id="248" name="Shape 248"/>
         <p:cNvGrpSpPr/>
         <p:nvPr/>
       </p:nvGrpSpPr>
@@ -14766,7 +14794,7 @@
       </p:grpSpPr>
       <p:sp>
         <p:nvSpPr>
-          <p:cNvPr id="248" name="Shape 248"/>
+          <p:cNvPr id="249" name="Shape 249"/>
           <p:cNvSpPr txBox="1"/>
           <p:nvPr>
             <p:ph type="title"/>
@@ -14802,7 +14830,7 @@
       </p:sp>
       <p:sp>
         <p:nvSpPr>
-          <p:cNvPr id="249" name="Shape 249"/>
+          <p:cNvPr id="250" name="Shape 250"/>
           <p:cNvSpPr txBox="1"/>
           <p:nvPr>
             <p:ph idx="1" type="body"/>
@@ -14940,7 +14968,7 @@
       </p:sp>
       <p:sp>
         <p:nvSpPr>
-          <p:cNvPr id="250" name="Shape 250"/>
+          <p:cNvPr id="251" name="Shape 251"/>
           <p:cNvSpPr txBox="1"/>
           <p:nvPr>
             <p:ph idx="2" type="body"/>
@@ -14994,7 +15022,7 @@
   <p:cSld>
     <p:spTree>
       <p:nvGrpSpPr>
-        <p:cNvPr id="254" name="Shape 254"/>
+        <p:cNvPr id="255" name="Shape 255"/>
         <p:cNvGrpSpPr/>
         <p:nvPr/>
       </p:nvGrpSpPr>
@@ -15008,7 +15036,7 @@
       </p:grpSpPr>
       <p:sp>
         <p:nvSpPr>
-          <p:cNvPr id="255" name="Shape 255"/>
+          <p:cNvPr id="256" name="Shape 256"/>
           <p:cNvSpPr txBox="1"/>
           <p:nvPr>
             <p:ph type="title"/>
@@ -15044,7 +15072,7 @@
       </p:sp>
       <p:sp>
         <p:nvSpPr>
-          <p:cNvPr id="256" name="Shape 256"/>
+          <p:cNvPr id="257" name="Shape 257"/>
           <p:cNvSpPr txBox="1"/>
           <p:nvPr>
             <p:ph idx="1" type="body"/>
@@ -15163,7 +15191,7 @@
       </p:sp>
       <p:sp>
         <p:nvSpPr>
-          <p:cNvPr id="257" name="Shape 257"/>
+          <p:cNvPr id="258" name="Shape 258"/>
           <p:cNvSpPr txBox="1"/>
           <p:nvPr>
             <p:ph idx="2" type="body"/>
@@ -15236,7 +15264,7 @@
   <p:cSld>
     <p:spTree>
       <p:nvGrpSpPr>
-        <p:cNvPr id="261" name="Shape 261"/>
+        <p:cNvPr id="262" name="Shape 262"/>
         <p:cNvGrpSpPr/>
         <p:nvPr/>
       </p:nvGrpSpPr>
@@ -15250,7 +15278,7 @@
       </p:grpSpPr>
       <p:sp>
         <p:nvSpPr>
-          <p:cNvPr id="262" name="Shape 262"/>
+          <p:cNvPr id="263" name="Shape 263"/>
           <p:cNvSpPr txBox="1"/>
           <p:nvPr>
             <p:ph type="title"/>
@@ -15286,7 +15314,7 @@
       </p:sp>
       <p:sp>
         <p:nvSpPr>
-          <p:cNvPr id="263" name="Shape 263"/>
+          <p:cNvPr id="264" name="Shape 264"/>
           <p:cNvSpPr txBox="1"/>
           <p:nvPr>
             <p:ph idx="1" type="body"/>
@@ -15424,7 +15452,7 @@
       </p:sp>
       <p:sp>
         <p:nvSpPr>
-          <p:cNvPr id="264" name="Shape 264"/>
+          <p:cNvPr id="265" name="Shape 265"/>
           <p:cNvSpPr txBox="1"/>
           <p:nvPr>
             <p:ph idx="2" type="body"/>
@@ -15478,7 +15506,7 @@
   <p:cSld>
     <p:spTree>
       <p:nvGrpSpPr>
-        <p:cNvPr id="268" name="Shape 268"/>
+        <p:cNvPr id="269" name="Shape 269"/>
         <p:cNvGrpSpPr/>
         <p:nvPr/>
       </p:nvGrpSpPr>
@@ -15492,7 +15520,7 @@
       </p:grpSpPr>
       <p:sp>
         <p:nvSpPr>
-          <p:cNvPr id="269" name="Shape 269"/>
+          <p:cNvPr id="270" name="Shape 270"/>
           <p:cNvSpPr txBox="1"/>
           <p:nvPr>
             <p:ph type="title"/>
@@ -15532,7 +15560,7 @@
       </p:sp>
       <p:sp>
         <p:nvSpPr>
-          <p:cNvPr id="270" name="Shape 270"/>
+          <p:cNvPr id="271" name="Shape 271"/>
           <p:cNvSpPr txBox="1"/>
           <p:nvPr>
             <p:ph idx="1" type="body"/>
@@ -15651,7 +15679,7 @@
       </p:sp>
       <p:sp>
         <p:nvSpPr>
-          <p:cNvPr id="271" name="Shape 271"/>
+          <p:cNvPr id="272" name="Shape 272"/>
           <p:cNvSpPr txBox="1"/>
           <p:nvPr>
             <p:ph idx="2" type="body"/>
@@ -15705,7 +15733,7 @@
   <p:cSld>
     <p:spTree>
       <p:nvGrpSpPr>
-        <p:cNvPr id="275" name="Shape 275"/>
+        <p:cNvPr id="276" name="Shape 276"/>
         <p:cNvGrpSpPr/>
         <p:nvPr/>
       </p:nvGrpSpPr>
@@ -15719,7 +15747,7 @@
       </p:grpSpPr>
       <p:sp>
         <p:nvSpPr>
-          <p:cNvPr id="276" name="Shape 276"/>
+          <p:cNvPr id="277" name="Shape 277"/>
           <p:cNvSpPr txBox="1"/>
           <p:nvPr>
             <p:ph type="title"/>
@@ -15759,7 +15787,7 @@
       </p:sp>
       <p:sp>
         <p:nvSpPr>
-          <p:cNvPr id="277" name="Shape 277"/>
+          <p:cNvPr id="278" name="Shape 278"/>
           <p:cNvSpPr txBox="1"/>
           <p:nvPr>
             <p:ph idx="1" type="body"/>
@@ -15840,7 +15868,7 @@
       </p:sp>
       <p:sp>
         <p:nvSpPr>
-          <p:cNvPr id="278" name="Shape 278"/>
+          <p:cNvPr id="279" name="Shape 279"/>
           <p:cNvSpPr txBox="1"/>
           <p:nvPr>
             <p:ph idx="2" type="body"/>
@@ -16203,7 +16231,7 @@
   <p:cSld>
     <p:spTree>
       <p:nvGrpSpPr>
-        <p:cNvPr id="282" name="Shape 282"/>
+        <p:cNvPr id="283" name="Shape 283"/>
         <p:cNvGrpSpPr/>
         <p:nvPr/>
       </p:nvGrpSpPr>
@@ -16217,7 +16245,7 @@
       </p:grpSpPr>
       <p:sp>
         <p:nvSpPr>
-          <p:cNvPr id="283" name="Shape 283"/>
+          <p:cNvPr id="284" name="Shape 284"/>
           <p:cNvSpPr txBox="1"/>
           <p:nvPr>
             <p:ph type="title"/>
@@ -16257,7 +16285,7 @@
       </p:sp>
       <p:sp>
         <p:nvSpPr>
-          <p:cNvPr id="284" name="Shape 284"/>
+          <p:cNvPr id="285" name="Shape 285"/>
           <p:cNvSpPr txBox="1"/>
           <p:nvPr>
             <p:ph idx="1" type="body"/>
@@ -16357,7 +16385,7 @@
       </p:sp>
       <p:sp>
         <p:nvSpPr>
-          <p:cNvPr id="285" name="Shape 285"/>
+          <p:cNvPr id="286" name="Shape 286"/>
           <p:cNvSpPr txBox="1"/>
           <p:nvPr>
             <p:ph idx="2" type="body"/>
@@ -16411,7 +16439,7 @@
   <p:cSld>
     <p:spTree>
       <p:nvGrpSpPr>
-        <p:cNvPr id="289" name="Shape 289"/>
+        <p:cNvPr id="290" name="Shape 290"/>
         <p:cNvGrpSpPr/>
         <p:nvPr/>
       </p:nvGrpSpPr>
@@ -16425,7 +16453,7 @@
       </p:grpSpPr>
       <p:sp>
         <p:nvSpPr>
-          <p:cNvPr id="290" name="Shape 290"/>
+          <p:cNvPr id="291" name="Shape 291"/>
           <p:cNvSpPr txBox="1"/>
           <p:nvPr>
             <p:ph type="title"/>
@@ -16465,7 +16493,7 @@
       </p:sp>
       <p:sp>
         <p:nvSpPr>
-          <p:cNvPr id="291" name="Shape 291"/>
+          <p:cNvPr id="292" name="Shape 292"/>
           <p:cNvSpPr txBox="1"/>
           <p:nvPr>
             <p:ph idx="1" type="body"/>
@@ -16565,7 +16593,7 @@
       </p:sp>
       <p:sp>
         <p:nvSpPr>
-          <p:cNvPr id="292" name="Shape 292"/>
+          <p:cNvPr id="293" name="Shape 293"/>
           <p:cNvSpPr txBox="1"/>
           <p:nvPr>
             <p:ph idx="2" type="body"/>
@@ -16619,7 +16647,7 @@
   <p:cSld>
     <p:spTree>
       <p:nvGrpSpPr>
-        <p:cNvPr id="296" name="Shape 296"/>
+        <p:cNvPr id="297" name="Shape 297"/>
         <p:cNvGrpSpPr/>
         <p:nvPr/>
       </p:nvGrpSpPr>
@@ -16633,7 +16661,7 @@
       </p:grpSpPr>
       <p:sp>
         <p:nvSpPr>
-          <p:cNvPr id="297" name="Shape 297"/>
+          <p:cNvPr id="298" name="Shape 298"/>
           <p:cNvSpPr txBox="1"/>
           <p:nvPr>
             <p:ph type="title"/>
@@ -16673,7 +16701,7 @@
       </p:sp>
       <p:sp>
         <p:nvSpPr>
-          <p:cNvPr id="298" name="Shape 298"/>
+          <p:cNvPr id="299" name="Shape 299"/>
           <p:cNvSpPr txBox="1"/>
           <p:nvPr>
             <p:ph idx="1" type="body"/>
@@ -16792,7 +16820,7 @@
       </p:sp>
       <p:sp>
         <p:nvSpPr>
-          <p:cNvPr id="299" name="Shape 299"/>
+          <p:cNvPr id="300" name="Shape 300"/>
           <p:cNvSpPr txBox="1"/>
           <p:nvPr>
             <p:ph idx="2" type="body"/>
@@ -16865,7 +16893,7 @@
   <p:cSld>
     <p:spTree>
       <p:nvGrpSpPr>
-        <p:cNvPr id="303" name="Shape 303"/>
+        <p:cNvPr id="304" name="Shape 304"/>
         <p:cNvGrpSpPr/>
         <p:nvPr/>
       </p:nvGrpSpPr>
@@ -16879,7 +16907,7 @@
       </p:grpSpPr>
       <p:sp>
         <p:nvSpPr>
-          <p:cNvPr id="304" name="Shape 304"/>
+          <p:cNvPr id="305" name="Shape 305"/>
           <p:cNvSpPr txBox="1"/>
           <p:nvPr>
             <p:ph type="title"/>
@@ -16919,7 +16947,7 @@
       </p:sp>
       <p:sp>
         <p:nvSpPr>
-          <p:cNvPr id="305" name="Shape 305"/>
+          <p:cNvPr id="306" name="Shape 306"/>
           <p:cNvSpPr txBox="1"/>
           <p:nvPr>
             <p:ph idx="1" type="body"/>
@@ -17019,7 +17047,7 @@
       </p:sp>
       <p:sp>
         <p:nvSpPr>
-          <p:cNvPr id="306" name="Shape 306"/>
+          <p:cNvPr id="307" name="Shape 307"/>
           <p:cNvSpPr txBox="1"/>
           <p:nvPr>
             <p:ph idx="2" type="body"/>
@@ -17092,7 +17120,7 @@
   <p:cSld>
     <p:spTree>
       <p:nvGrpSpPr>
-        <p:cNvPr id="310" name="Shape 310"/>
+        <p:cNvPr id="311" name="Shape 311"/>
         <p:cNvGrpSpPr/>
         <p:nvPr/>
       </p:nvGrpSpPr>
@@ -17106,7 +17134,7 @@
       </p:grpSpPr>
       <p:sp>
         <p:nvSpPr>
-          <p:cNvPr id="311" name="Shape 311"/>
+          <p:cNvPr id="312" name="Shape 312"/>
           <p:cNvSpPr txBox="1"/>
           <p:nvPr>
             <p:ph type="title"/>
@@ -17142,7 +17170,7 @@
       </p:sp>
       <p:sp>
         <p:nvSpPr>
-          <p:cNvPr id="312" name="Shape 312"/>
+          <p:cNvPr id="313" name="Shape 313"/>
           <p:cNvSpPr txBox="1"/>
           <p:nvPr>
             <p:ph idx="1" type="body"/>
@@ -17242,7 +17270,7 @@
       </p:sp>
       <p:sp>
         <p:nvSpPr>
-          <p:cNvPr id="313" name="Shape 313"/>
+          <p:cNvPr id="314" name="Shape 314"/>
           <p:cNvSpPr txBox="1"/>
           <p:nvPr>
             <p:ph idx="2" type="body"/>
@@ -17296,7 +17324,7 @@
   <p:cSld>
     <p:spTree>
       <p:nvGrpSpPr>
-        <p:cNvPr id="317" name="Shape 317"/>
+        <p:cNvPr id="318" name="Shape 318"/>
         <p:cNvGrpSpPr/>
         <p:nvPr/>
       </p:nvGrpSpPr>
@@ -17310,7 +17338,7 @@
       </p:grpSpPr>
       <p:sp>
         <p:nvSpPr>
-          <p:cNvPr id="318" name="Shape 318"/>
+          <p:cNvPr id="319" name="Shape 319"/>
           <p:cNvSpPr txBox="1"/>
           <p:nvPr>
             <p:ph type="title"/>
@@ -17350,7 +17378,7 @@
       </p:sp>
       <p:sp>
         <p:nvSpPr>
-          <p:cNvPr id="319" name="Shape 319"/>
+          <p:cNvPr id="320" name="Shape 320"/>
           <p:cNvSpPr txBox="1"/>
           <p:nvPr>
             <p:ph idx="1" type="body"/>
@@ -17431,7 +17459,7 @@
       </p:sp>
       <p:sp>
         <p:nvSpPr>
-          <p:cNvPr id="320" name="Shape 320"/>
+          <p:cNvPr id="321" name="Shape 321"/>
           <p:cNvSpPr txBox="1"/>
           <p:nvPr>
             <p:ph idx="2" type="body"/>
@@ -17599,7 +17627,7 @@
   <p:cSld>
     <p:spTree>
       <p:nvGrpSpPr>
-        <p:cNvPr id="324" name="Shape 324"/>
+        <p:cNvPr id="325" name="Shape 325"/>
         <p:cNvGrpSpPr/>
         <p:nvPr/>
       </p:nvGrpSpPr>
@@ -17613,7 +17641,7 @@
       </p:grpSpPr>
       <p:sp>
         <p:nvSpPr>
-          <p:cNvPr id="325" name="Shape 325"/>
+          <p:cNvPr id="326" name="Shape 326"/>
           <p:cNvSpPr txBox="1"/>
           <p:nvPr>
             <p:ph type="title"/>
@@ -17649,7 +17677,7 @@
       </p:sp>
       <p:sp>
         <p:nvSpPr>
-          <p:cNvPr id="326" name="Shape 326"/>
+          <p:cNvPr id="327" name="Shape 327"/>
           <p:cNvSpPr txBox="1"/>
           <p:nvPr>
             <p:ph idx="1" type="body"/>
@@ -17730,7 +17758,7 @@
       </p:sp>
       <p:sp>
         <p:nvSpPr>
-          <p:cNvPr id="327" name="Shape 327"/>
+          <p:cNvPr id="328" name="Shape 328"/>
           <p:cNvSpPr txBox="1"/>
           <p:nvPr>
             <p:ph idx="2" type="body"/>
@@ -17784,7 +17812,7 @@
   <p:cSld>
     <p:spTree>
       <p:nvGrpSpPr>
-        <p:cNvPr id="331" name="Shape 331"/>
+        <p:cNvPr id="332" name="Shape 332"/>
         <p:cNvGrpSpPr/>
         <p:nvPr/>
       </p:nvGrpSpPr>
@@ -17798,7 +17826,7 @@
       </p:grpSpPr>
       <p:sp>
         <p:nvSpPr>
-          <p:cNvPr id="332" name="Shape 332"/>
+          <p:cNvPr id="333" name="Shape 333"/>
           <p:cNvSpPr txBox="1"/>
           <p:nvPr>
             <p:ph type="title"/>
@@ -17834,7 +17862,7 @@
       </p:sp>
       <p:sp>
         <p:nvSpPr>
-          <p:cNvPr id="333" name="Shape 333"/>
+          <p:cNvPr id="334" name="Shape 334"/>
           <p:cNvSpPr txBox="1"/>
           <p:nvPr>
             <p:ph idx="1" type="body"/>
@@ -17953,7 +17981,7 @@
       </p:sp>
       <p:sp>
         <p:nvSpPr>
-          <p:cNvPr id="334" name="Shape 334"/>
+          <p:cNvPr id="335" name="Shape 335"/>
           <p:cNvSpPr txBox="1"/>
           <p:nvPr>
             <p:ph idx="2" type="body"/>
@@ -18007,7 +18035,7 @@
   <p:cSld>
     <p:spTree>
       <p:nvGrpSpPr>
-        <p:cNvPr id="338" name="Shape 338"/>
+        <p:cNvPr id="339" name="Shape 339"/>
         <p:cNvGrpSpPr/>
         <p:nvPr/>
       </p:nvGrpSpPr>
@@ -18021,7 +18049,7 @@
       </p:grpSpPr>
       <p:sp>
         <p:nvSpPr>
-          <p:cNvPr id="339" name="Shape 339"/>
+          <p:cNvPr id="340" name="Shape 340"/>
           <p:cNvSpPr txBox="1"/>
           <p:nvPr>
             <p:ph type="title"/>
@@ -18057,7 +18085,7 @@
       </p:sp>
       <p:sp>
         <p:nvSpPr>
-          <p:cNvPr id="340" name="Shape 340"/>
+          <p:cNvPr id="341" name="Shape 341"/>
           <p:cNvSpPr txBox="1"/>
           <p:nvPr>
             <p:ph idx="1" type="body"/>
@@ -18176,7 +18204,7 @@
       </p:sp>
       <p:sp>
         <p:nvSpPr>
-          <p:cNvPr id="341" name="Shape 341"/>
+          <p:cNvPr id="342" name="Shape 342"/>
           <p:cNvSpPr txBox="1"/>
           <p:nvPr>
             <p:ph idx="2" type="body"/>
@@ -18227,7 +18255,7 @@
   <p:cSld>
     <p:spTree>
       <p:nvGrpSpPr>
-        <p:cNvPr id="345" name="Shape 345"/>
+        <p:cNvPr id="346" name="Shape 346"/>
         <p:cNvGrpSpPr/>
         <p:nvPr/>
       </p:nvGrpSpPr>
@@ -18241,7 +18269,7 @@
       </p:grpSpPr>
       <p:sp>
         <p:nvSpPr>
-          <p:cNvPr id="346" name="Shape 346"/>
+          <p:cNvPr id="347" name="Shape 347"/>
           <p:cNvSpPr txBox="1"/>
           <p:nvPr>
             <p:ph type="title"/>
@@ -18301,7 +18329,7 @@
       </p:sp>
       <p:sp>
         <p:nvSpPr>
-          <p:cNvPr id="347" name="Shape 347"/>
+          <p:cNvPr id="348" name="Shape 348"/>
           <p:cNvSpPr txBox="1"/>
           <p:nvPr>
             <p:ph idx="1" type="body"/>
@@ -18676,7 +18704,7 @@
   <p:cSld>
     <p:spTree>
       <p:nvGrpSpPr>
-        <p:cNvPr id="351" name="Shape 351"/>
+        <p:cNvPr id="352" name="Shape 352"/>
         <p:cNvGrpSpPr/>
         <p:nvPr/>
       </p:nvGrpSpPr>
@@ -18690,7 +18718,7 @@
       </p:grpSpPr>
       <p:sp>
         <p:nvSpPr>
-          <p:cNvPr id="352" name="Shape 352"/>
+          <p:cNvPr id="353" name="Shape 353"/>
           <p:cNvSpPr txBox="1"/>
           <p:nvPr>
             <p:ph type="title"/>
@@ -18726,7 +18754,7 @@
       </p:sp>
       <p:sp>
         <p:nvSpPr>
-          <p:cNvPr id="353" name="Shape 353"/>
+          <p:cNvPr id="354" name="Shape 354"/>
           <p:cNvSpPr txBox="1"/>
           <p:nvPr>
             <p:ph idx="1" type="body"/>
@@ -18823,7 +18851,7 @@
       </p:sp>
       <p:sp>
         <p:nvSpPr>
-          <p:cNvPr id="354" name="Shape 354"/>
+          <p:cNvPr id="355" name="Shape 355"/>
           <p:cNvSpPr txBox="1"/>
           <p:nvPr>
             <p:ph idx="2" type="body"/>
@@ -18915,7 +18943,7 @@
   <p:cSld>
     <p:spTree>
       <p:nvGrpSpPr>
-        <p:cNvPr id="358" name="Shape 358"/>
+        <p:cNvPr id="359" name="Shape 359"/>
         <p:cNvGrpSpPr/>
         <p:nvPr/>
       </p:nvGrpSpPr>
@@ -18929,7 +18957,7 @@
       </p:grpSpPr>
       <p:sp>
         <p:nvSpPr>
-          <p:cNvPr id="359" name="Shape 359"/>
+          <p:cNvPr id="360" name="Shape 360"/>
           <p:cNvSpPr txBox="1"/>
           <p:nvPr>
             <p:ph type="title"/>
@@ -18969,7 +18997,7 @@
       </p:sp>
       <p:sp>
         <p:nvSpPr>
-          <p:cNvPr id="360" name="Shape 360"/>
+          <p:cNvPr id="361" name="Shape 361"/>
           <p:cNvSpPr txBox="1"/>
           <p:nvPr>
             <p:ph idx="1" type="body"/>
@@ -19050,7 +19078,7 @@
       </p:sp>
       <p:sp>
         <p:nvSpPr>
-          <p:cNvPr id="361" name="Shape 361"/>
+          <p:cNvPr id="362" name="Shape 362"/>
           <p:cNvSpPr txBox="1"/>
           <p:nvPr>
             <p:ph idx="2" type="body"/>
@@ -19123,7 +19151,7 @@
   <p:cSld>
     <p:spTree>
       <p:nvGrpSpPr>
-        <p:cNvPr id="365" name="Shape 365"/>
+        <p:cNvPr id="366" name="Shape 366"/>
         <p:cNvGrpSpPr/>
         <p:nvPr/>
       </p:nvGrpSpPr>
@@ -19137,7 +19165,7 @@
       </p:grpSpPr>
       <p:sp>
         <p:nvSpPr>
-          <p:cNvPr id="366" name="Shape 366"/>
+          <p:cNvPr id="367" name="Shape 367"/>
           <p:cNvSpPr txBox="1"/>
           <p:nvPr>
             <p:ph type="title"/>
@@ -19173,7 +19201,7 @@
       </p:sp>
       <p:sp>
         <p:nvSpPr>
-          <p:cNvPr id="367" name="Shape 367"/>
+          <p:cNvPr id="368" name="Shape 368"/>
           <p:cNvSpPr txBox="1"/>
           <p:nvPr>
             <p:ph idx="1" type="body"/>
@@ -19235,7 +19263,7 @@
       </p:sp>
       <p:sp>
         <p:nvSpPr>
-          <p:cNvPr id="368" name="Shape 368"/>
+          <p:cNvPr id="369" name="Shape 369"/>
           <p:cNvSpPr txBox="1"/>
           <p:nvPr>
             <p:ph idx="2" type="body"/>
@@ -19289,7 +19317,7 @@
   <p:cSld>
     <p:spTree>
       <p:nvGrpSpPr>
-        <p:cNvPr id="372" name="Shape 372"/>
+        <p:cNvPr id="373" name="Shape 373"/>
         <p:cNvGrpSpPr/>
         <p:nvPr/>
       </p:nvGrpSpPr>
@@ -19303,7 +19331,7 @@
       </p:grpSpPr>
       <p:sp>
         <p:nvSpPr>
-          <p:cNvPr id="373" name="Shape 373"/>
+          <p:cNvPr id="374" name="Shape 374"/>
           <p:cNvSpPr txBox="1"/>
           <p:nvPr>
             <p:ph type="title"/>
@@ -19339,7 +19367,7 @@
       </p:sp>
       <p:sp>
         <p:nvSpPr>
-          <p:cNvPr id="374" name="Shape 374"/>
+          <p:cNvPr id="375" name="Shape 375"/>
           <p:cNvSpPr txBox="1"/>
           <p:nvPr>
             <p:ph idx="1" type="body"/>
@@ -19420,7 +19448,7 @@
       </p:sp>
       <p:sp>
         <p:nvSpPr>
-          <p:cNvPr id="375" name="Shape 375"/>
+          <p:cNvPr id="376" name="Shape 376"/>
           <p:cNvSpPr txBox="1"/>
           <p:nvPr>
             <p:ph idx="2" type="body"/>
@@ -19512,7 +19540,7 @@
   <p:cSld>
     <p:spTree>
       <p:nvGrpSpPr>
-        <p:cNvPr id="379" name="Shape 379"/>
+        <p:cNvPr id="380" name="Shape 380"/>
         <p:cNvGrpSpPr/>
         <p:nvPr/>
       </p:nvGrpSpPr>
@@ -19526,7 +19554,7 @@
       </p:grpSpPr>
       <p:sp>
         <p:nvSpPr>
-          <p:cNvPr id="380" name="Shape 380"/>
+          <p:cNvPr id="381" name="Shape 381"/>
           <p:cNvSpPr txBox="1"/>
           <p:nvPr>
             <p:ph type="title"/>
@@ -19562,7 +19590,7 @@
       </p:sp>
       <p:sp>
         <p:nvSpPr>
-          <p:cNvPr id="381" name="Shape 381"/>
+          <p:cNvPr id="382" name="Shape 382"/>
           <p:cNvSpPr txBox="1"/>
           <p:nvPr>
             <p:ph idx="2" type="body"/>
@@ -19643,7 +19671,7 @@
       </p:sp>
       <p:sp>
         <p:nvSpPr>
-          <p:cNvPr id="382" name="Shape 382"/>
+          <p:cNvPr id="383" name="Shape 383"/>
           <p:cNvSpPr txBox="1"/>
           <p:nvPr>
             <p:ph idx="1" type="body"/>
@@ -19735,7 +19763,7 @@
   <p:cSld>
     <p:spTree>
       <p:nvGrpSpPr>
-        <p:cNvPr id="386" name="Shape 386"/>
+        <p:cNvPr id="387" name="Shape 387"/>
         <p:cNvGrpSpPr/>
         <p:nvPr/>
       </p:nvGrpSpPr>
@@ -19749,7 +19777,7 @@
       </p:grpSpPr>
       <p:sp>
         <p:nvSpPr>
-          <p:cNvPr id="387" name="Shape 387"/>
+          <p:cNvPr id="388" name="Shape 388"/>
           <p:cNvSpPr txBox="1"/>
           <p:nvPr>
             <p:ph type="title"/>
@@ -19785,7 +19813,7 @@
       </p:sp>
       <p:sp>
         <p:nvSpPr>
-          <p:cNvPr id="388" name="Shape 388"/>
+          <p:cNvPr id="389" name="Shape 389"/>
           <p:cNvSpPr txBox="1"/>
           <p:nvPr>
             <p:ph idx="1" type="body"/>
@@ -19866,7 +19894,7 @@
       </p:sp>
       <p:sp>
         <p:nvSpPr>
-          <p:cNvPr id="389" name="Shape 389"/>
+          <p:cNvPr id="390" name="Shape 390"/>
           <p:cNvSpPr txBox="1"/>
           <p:nvPr>
             <p:ph idx="2" type="body"/>
@@ -19939,7 +19967,7 @@
   <p:cSld>
     <p:spTree>
       <p:nvGrpSpPr>
-        <p:cNvPr id="393" name="Shape 393"/>
+        <p:cNvPr id="394" name="Shape 394"/>
         <p:cNvGrpSpPr/>
         <p:nvPr/>
       </p:nvGrpSpPr>
@@ -19953,7 +19981,7 @@
       </p:grpSpPr>
       <p:sp>
         <p:nvSpPr>
-          <p:cNvPr id="394" name="Shape 394"/>
+          <p:cNvPr id="395" name="Shape 395"/>
           <p:cNvSpPr txBox="1"/>
           <p:nvPr>
             <p:ph type="title"/>
@@ -19989,7 +20017,7 @@
       </p:sp>
       <p:sp>
         <p:nvSpPr>
-          <p:cNvPr id="395" name="Shape 395"/>
+          <p:cNvPr id="396" name="Shape 396"/>
           <p:cNvSpPr txBox="1"/>
           <p:nvPr>
             <p:ph idx="1" type="body"/>
@@ -20108,7 +20136,7 @@
       </p:sp>
       <p:sp>
         <p:nvSpPr>
-          <p:cNvPr id="396" name="Shape 396"/>
+          <p:cNvPr id="397" name="Shape 397"/>
           <p:cNvSpPr txBox="1"/>
           <p:nvPr>
             <p:ph idx="2" type="body"/>
@@ -20200,7 +20228,7 @@
   <p:cSld>
     <p:spTree>
       <p:nvGrpSpPr>
-        <p:cNvPr id="400" name="Shape 400"/>
+        <p:cNvPr id="401" name="Shape 401"/>
         <p:cNvGrpSpPr/>
         <p:nvPr/>
       </p:nvGrpSpPr>
@@ -20214,7 +20242,7 @@
       </p:grpSpPr>
       <p:sp>
         <p:nvSpPr>
-          <p:cNvPr id="401" name="Shape 401"/>
+          <p:cNvPr id="402" name="Shape 402"/>
           <p:cNvSpPr txBox="1"/>
           <p:nvPr>
             <p:ph type="title"/>
@@ -20250,7 +20278,7 @@
       </p:sp>
       <p:sp>
         <p:nvSpPr>
-          <p:cNvPr id="402" name="Shape 402"/>
+          <p:cNvPr id="403" name="Shape 403"/>
           <p:cNvSpPr txBox="1"/>
           <p:nvPr>
             <p:ph idx="1" type="body"/>
@@ -20350,7 +20378,7 @@
       </p:sp>
       <p:sp>
         <p:nvSpPr>
-          <p:cNvPr id="403" name="Shape 403"/>
+          <p:cNvPr id="404" name="Shape 404"/>
           <p:cNvSpPr txBox="1"/>
           <p:nvPr>
             <p:ph idx="2" type="body"/>
@@ -20423,7 +20451,7 @@
   <p:cSld>
     <p:spTree>
       <p:nvGrpSpPr>
-        <p:cNvPr id="407" name="Shape 407"/>
+        <p:cNvPr id="408" name="Shape 408"/>
         <p:cNvGrpSpPr/>
         <p:nvPr/>
       </p:nvGrpSpPr>
@@ -20437,7 +20465,7 @@
       </p:grpSpPr>
       <p:sp>
         <p:nvSpPr>
-          <p:cNvPr id="408" name="Shape 408"/>
+          <p:cNvPr id="409" name="Shape 409"/>
           <p:cNvSpPr txBox="1"/>
           <p:nvPr>
             <p:ph type="title"/>
@@ -20473,7 +20501,7 @@
       </p:sp>
       <p:sp>
         <p:nvSpPr>
-          <p:cNvPr id="409" name="Shape 409"/>
+          <p:cNvPr id="410" name="Shape 410"/>
           <p:cNvSpPr txBox="1"/>
           <p:nvPr>
             <p:ph idx="1" type="body"/>
@@ -20592,7 +20620,7 @@
       </p:sp>
       <p:sp>
         <p:nvSpPr>
-          <p:cNvPr id="410" name="Shape 410"/>
+          <p:cNvPr id="411" name="Shape 411"/>
           <p:cNvSpPr txBox="1"/>
           <p:nvPr>
             <p:ph idx="2" type="body"/>
@@ -20665,7 +20693,7 @@
   <p:cSld>
     <p:spTree>
       <p:nvGrpSpPr>
-        <p:cNvPr id="414" name="Shape 414"/>
+        <p:cNvPr id="415" name="Shape 415"/>
         <p:cNvGrpSpPr/>
         <p:nvPr/>
       </p:nvGrpSpPr>
@@ -20679,7 +20707,7 @@
       </p:grpSpPr>
       <p:sp>
         <p:nvSpPr>
-          <p:cNvPr id="415" name="Shape 415"/>
+          <p:cNvPr id="416" name="Shape 416"/>
           <p:cNvSpPr txBox="1"/>
           <p:nvPr>
             <p:ph type="title"/>
@@ -20715,7 +20743,7 @@
       </p:sp>
       <p:sp>
         <p:nvSpPr>
-          <p:cNvPr id="416" name="Shape 416"/>
+          <p:cNvPr id="417" name="Shape 417"/>
           <p:cNvSpPr txBox="1"/>
           <p:nvPr>
             <p:ph idx="1" type="body"/>
@@ -20815,7 +20843,7 @@
       </p:sp>
       <p:sp>
         <p:nvSpPr>
-          <p:cNvPr id="417" name="Shape 417"/>
+          <p:cNvPr id="418" name="Shape 418"/>
           <p:cNvSpPr txBox="1"/>
           <p:nvPr>
             <p:ph idx="2" type="body"/>
@@ -21165,7 +21193,7 @@
   <p:cSld>
     <p:spTree>
       <p:nvGrpSpPr>
-        <p:cNvPr id="421" name="Shape 421"/>
+        <p:cNvPr id="422" name="Shape 422"/>
         <p:cNvGrpSpPr/>
         <p:nvPr/>
       </p:nvGrpSpPr>
@@ -21179,7 +21207,7 @@
       </p:grpSpPr>
       <p:sp>
         <p:nvSpPr>
-          <p:cNvPr id="422" name="Shape 422"/>
+          <p:cNvPr id="423" name="Shape 423"/>
           <p:cNvSpPr txBox="1"/>
           <p:nvPr>
             <p:ph type="title"/>
@@ -21215,7 +21243,7 @@
       </p:sp>
       <p:sp>
         <p:nvSpPr>
-          <p:cNvPr id="423" name="Shape 423"/>
+          <p:cNvPr id="424" name="Shape 424"/>
           <p:cNvSpPr txBox="1"/>
           <p:nvPr>
             <p:ph idx="1" type="body"/>
@@ -21296,7 +21324,7 @@
       </p:sp>
       <p:sp>
         <p:nvSpPr>
-          <p:cNvPr id="424" name="Shape 424"/>
+          <p:cNvPr id="425" name="Shape 425"/>
           <p:cNvSpPr txBox="1"/>
           <p:nvPr>
             <p:ph idx="2" type="body"/>
@@ -21388,7 +21416,7 @@
   <p:cSld>
     <p:spTree>
       <p:nvGrpSpPr>
-        <p:cNvPr id="428" name="Shape 428"/>
+        <p:cNvPr id="429" name="Shape 429"/>
         <p:cNvGrpSpPr/>
         <p:nvPr/>
       </p:nvGrpSpPr>
@@ -21402,7 +21430,7 @@
       </p:grpSpPr>
       <p:sp>
         <p:nvSpPr>
-          <p:cNvPr id="429" name="Shape 429"/>
+          <p:cNvPr id="430" name="Shape 430"/>
           <p:cNvSpPr txBox="1"/>
           <p:nvPr>
             <p:ph type="title"/>
@@ -21438,7 +21466,7 @@
       </p:sp>
       <p:sp>
         <p:nvSpPr>
-          <p:cNvPr id="430" name="Shape 430"/>
+          <p:cNvPr id="431" name="Shape 431"/>
           <p:cNvSpPr txBox="1"/>
           <p:nvPr>
             <p:ph idx="1" type="body"/>
@@ -21538,7 +21566,7 @@
       </p:sp>
       <p:sp>
         <p:nvSpPr>
-          <p:cNvPr id="431" name="Shape 431"/>
+          <p:cNvPr id="432" name="Shape 432"/>
           <p:cNvSpPr txBox="1"/>
           <p:nvPr>
             <p:ph idx="2" type="body"/>
@@ -21611,7 +21639,7 @@
   <p:cSld>
     <p:spTree>
       <p:nvGrpSpPr>
-        <p:cNvPr id="435" name="Shape 435"/>
+        <p:cNvPr id="436" name="Shape 436"/>
         <p:cNvGrpSpPr/>
         <p:nvPr/>
       </p:nvGrpSpPr>
@@ -21625,7 +21653,7 @@
       </p:grpSpPr>
       <p:sp>
         <p:nvSpPr>
-          <p:cNvPr id="436" name="Shape 436"/>
+          <p:cNvPr id="437" name="Shape 437"/>
           <p:cNvSpPr txBox="1"/>
           <p:nvPr>
             <p:ph type="title"/>
@@ -21661,7 +21689,7 @@
       </p:sp>
       <p:sp>
         <p:nvSpPr>
-          <p:cNvPr id="437" name="Shape 437"/>
+          <p:cNvPr id="438" name="Shape 438"/>
           <p:cNvSpPr txBox="1"/>
           <p:nvPr>
             <p:ph idx="1" type="body"/>
@@ -21761,7 +21789,7 @@
       </p:sp>
       <p:sp>
         <p:nvSpPr>
-          <p:cNvPr id="438" name="Shape 438"/>
+          <p:cNvPr id="439" name="Shape 439"/>
           <p:cNvSpPr txBox="1"/>
           <p:nvPr>
             <p:ph idx="2" type="body"/>
@@ -21872,7 +21900,7 @@
   <p:cSld>
     <p:spTree>
       <p:nvGrpSpPr>
-        <p:cNvPr id="442" name="Shape 442"/>
+        <p:cNvPr id="443" name="Shape 443"/>
         <p:cNvGrpSpPr/>
         <p:nvPr/>
       </p:nvGrpSpPr>
@@ -21886,7 +21914,7 @@
       </p:grpSpPr>
       <p:sp>
         <p:nvSpPr>
-          <p:cNvPr id="443" name="Shape 443"/>
+          <p:cNvPr id="444" name="Shape 444"/>
           <p:cNvSpPr txBox="1"/>
           <p:nvPr>
             <p:ph type="title"/>
@@ -21922,7 +21950,7 @@
       </p:sp>
       <p:sp>
         <p:nvSpPr>
-          <p:cNvPr id="444" name="Shape 444"/>
+          <p:cNvPr id="445" name="Shape 445"/>
           <p:cNvSpPr txBox="1"/>
           <p:nvPr>
             <p:ph idx="1" type="body"/>
@@ -22060,7 +22088,7 @@
       </p:sp>
       <p:sp>
         <p:nvSpPr>
-          <p:cNvPr id="445" name="Shape 445"/>
+          <p:cNvPr id="446" name="Shape 446"/>
           <p:cNvSpPr txBox="1"/>
           <p:nvPr>
             <p:ph idx="2" type="body"/>
@@ -22133,7 +22161,7 @@
   <p:cSld>
     <p:spTree>
       <p:nvGrpSpPr>
-        <p:cNvPr id="449" name="Shape 449"/>
+        <p:cNvPr id="450" name="Shape 450"/>
         <p:cNvGrpSpPr/>
         <p:nvPr/>
       </p:nvGrpSpPr>
@@ -22147,7 +22175,7 @@
       </p:grpSpPr>
       <p:sp>
         <p:nvSpPr>
-          <p:cNvPr id="450" name="Shape 450"/>
+          <p:cNvPr id="451" name="Shape 451"/>
           <p:cNvSpPr txBox="1"/>
           <p:nvPr>
             <p:ph type="title"/>
@@ -22183,7 +22211,7 @@
       </p:sp>
       <p:sp>
         <p:nvSpPr>
-          <p:cNvPr id="451" name="Shape 451"/>
+          <p:cNvPr id="452" name="Shape 452"/>
           <p:cNvSpPr txBox="1"/>
           <p:nvPr>
             <p:ph idx="1" type="body"/>
@@ -22340,7 +22368,7 @@
       </p:sp>
       <p:sp>
         <p:nvSpPr>
-          <p:cNvPr id="452" name="Shape 452"/>
+          <p:cNvPr id="453" name="Shape 453"/>
           <p:cNvSpPr txBox="1"/>
           <p:nvPr>
             <p:ph idx="2" type="body"/>
@@ -22413,7 +22441,7 @@
   <p:cSld>
     <p:spTree>
       <p:nvGrpSpPr>
-        <p:cNvPr id="456" name="Shape 456"/>
+        <p:cNvPr id="457" name="Shape 457"/>
         <p:cNvGrpSpPr/>
         <p:nvPr/>
       </p:nvGrpSpPr>
@@ -22427,7 +22455,7 @@
       </p:grpSpPr>
       <p:sp>
         <p:nvSpPr>
-          <p:cNvPr id="457" name="Shape 457"/>
+          <p:cNvPr id="458" name="Shape 458"/>
           <p:cNvSpPr txBox="1"/>
           <p:nvPr>
             <p:ph type="title"/>
@@ -22463,7 +22491,7 @@
       </p:sp>
       <p:sp>
         <p:nvSpPr>
-          <p:cNvPr id="458" name="Shape 458"/>
+          <p:cNvPr id="459" name="Shape 459"/>
           <p:cNvSpPr txBox="1"/>
           <p:nvPr>
             <p:ph idx="1" type="body"/>
@@ -22563,7 +22591,7 @@
       </p:sp>
       <p:sp>
         <p:nvSpPr>
-          <p:cNvPr id="459" name="Shape 459"/>
+          <p:cNvPr id="460" name="Shape 460"/>
           <p:cNvSpPr txBox="1"/>
           <p:nvPr>
             <p:ph idx="2" type="body"/>
@@ -22617,7 +22645,7 @@
   <p:cSld>
     <p:spTree>
       <p:nvGrpSpPr>
-        <p:cNvPr id="463" name="Shape 463"/>
+        <p:cNvPr id="464" name="Shape 464"/>
         <p:cNvGrpSpPr/>
         <p:nvPr/>
       </p:nvGrpSpPr>
@@ -22631,7 +22659,7 @@
       </p:grpSpPr>
       <p:sp>
         <p:nvSpPr>
-          <p:cNvPr id="464" name="Shape 464"/>
+          <p:cNvPr id="465" name="Shape 465"/>
           <p:cNvSpPr txBox="1"/>
           <p:nvPr>
             <p:ph type="title"/>
@@ -22667,7 +22695,7 @@
       </p:sp>
       <p:sp>
         <p:nvSpPr>
-          <p:cNvPr id="465" name="Shape 465"/>
+          <p:cNvPr id="466" name="Shape 466"/>
           <p:cNvSpPr txBox="1"/>
           <p:nvPr>
             <p:ph idx="1" type="body"/>
@@ -22824,7 +22852,7 @@
       </p:sp>
       <p:sp>
         <p:nvSpPr>
-          <p:cNvPr id="466" name="Shape 466"/>
+          <p:cNvPr id="467" name="Shape 467"/>
           <p:cNvSpPr txBox="1"/>
           <p:nvPr>
             <p:ph idx="2" type="body"/>
@@ -22954,7 +22982,7 @@
   <p:cSld>
     <p:spTree>
       <p:nvGrpSpPr>
-        <p:cNvPr id="470" name="Shape 470"/>
+        <p:cNvPr id="471" name="Shape 471"/>
         <p:cNvGrpSpPr/>
         <p:nvPr/>
       </p:nvGrpSpPr>
@@ -22968,7 +22996,7 @@
       </p:grpSpPr>
       <p:sp>
         <p:nvSpPr>
-          <p:cNvPr id="471" name="Shape 471"/>
+          <p:cNvPr id="472" name="Shape 472"/>
           <p:cNvSpPr txBox="1"/>
           <p:nvPr>
             <p:ph type="title"/>
@@ -23004,7 +23032,7 @@
       </p:sp>
       <p:sp>
         <p:nvSpPr>
-          <p:cNvPr id="472" name="Shape 472"/>
+          <p:cNvPr id="473" name="Shape 473"/>
           <p:cNvSpPr txBox="1"/>
           <p:nvPr>
             <p:ph idx="1" type="body"/>
@@ -23142,7 +23170,7 @@
       </p:sp>
       <p:sp>
         <p:nvSpPr>
-          <p:cNvPr id="473" name="Shape 473"/>
+          <p:cNvPr id="474" name="Shape 474"/>
           <p:cNvSpPr txBox="1"/>
           <p:nvPr>
             <p:ph idx="2" type="body"/>
@@ -23196,7 +23224,7 @@
   <p:cSld>
     <p:spTree>
       <p:nvGrpSpPr>
-        <p:cNvPr id="477" name="Shape 477"/>
+        <p:cNvPr id="478" name="Shape 478"/>
         <p:cNvGrpSpPr/>
         <p:nvPr/>
       </p:nvGrpSpPr>
@@ -23210,7 +23238,7 @@
       </p:grpSpPr>
       <p:sp>
         <p:nvSpPr>
-          <p:cNvPr id="478" name="Shape 478"/>
+          <p:cNvPr id="479" name="Shape 479"/>
           <p:cNvSpPr txBox="1"/>
           <p:nvPr>
             <p:ph type="title"/>
@@ -23246,7 +23274,7 @@
       </p:sp>
       <p:sp>
         <p:nvSpPr>
-          <p:cNvPr id="479" name="Shape 479"/>
+          <p:cNvPr id="480" name="Shape 480"/>
           <p:cNvSpPr txBox="1"/>
           <p:nvPr>
             <p:ph idx="1" type="body"/>
@@ -23397,7 +23425,7 @@
       </p:sp>
       <p:sp>
         <p:nvSpPr>
-          <p:cNvPr id="480" name="Shape 480"/>
+          <p:cNvPr id="481" name="Shape 481"/>
           <p:cNvSpPr txBox="1"/>
           <p:nvPr>
             <p:ph idx="2" type="body"/>
@@ -23470,7 +23498,7 @@
   <p:cSld>
     <p:spTree>
       <p:nvGrpSpPr>
-        <p:cNvPr id="484" name="Shape 484"/>
+        <p:cNvPr id="485" name="Shape 485"/>
         <p:cNvGrpSpPr/>
         <p:nvPr/>
       </p:nvGrpSpPr>
@@ -23484,7 +23512,7 @@
       </p:grpSpPr>
       <p:sp>
         <p:nvSpPr>
-          <p:cNvPr id="485" name="Shape 485"/>
+          <p:cNvPr id="486" name="Shape 486"/>
           <p:cNvSpPr txBox="1"/>
           <p:nvPr>
             <p:ph type="title"/>
@@ -23520,7 +23548,7 @@
       </p:sp>
       <p:sp>
         <p:nvSpPr>
-          <p:cNvPr id="486" name="Shape 486"/>
+          <p:cNvPr id="487" name="Shape 487"/>
           <p:cNvSpPr txBox="1"/>
           <p:nvPr>
             <p:ph idx="1" type="body"/>
@@ -23639,7 +23667,7 @@
       </p:sp>
       <p:sp>
         <p:nvSpPr>
-          <p:cNvPr id="487" name="Shape 487"/>
+          <p:cNvPr id="488" name="Shape 488"/>
           <p:cNvSpPr txBox="1"/>
           <p:nvPr>
             <p:ph idx="2" type="body"/>
@@ -24705,6 +24733,285 @@
 </file>
 
 <file path=ppt/theme/theme1.xml><?xml version="1.0" encoding="utf-8"?>
+<a:theme xmlns:a="http://schemas.openxmlformats.org/drawingml/2006/main" xmlns:r="http://schemas.openxmlformats.org/officeDocument/2006/relationships" name="Custom Theme">
+  <a:themeElements>
+    <a:clrScheme name="Default">
+      <a:dk1>
+        <a:srgbClr val="000000"/>
+      </a:dk1>
+      <a:lt1>
+        <a:srgbClr val="FFFFFF"/>
+      </a:lt1>
+      <a:dk2>
+        <a:srgbClr val="158158"/>
+      </a:dk2>
+      <a:lt2>
+        <a:srgbClr val="F3F3F3"/>
+      </a:lt2>
+      <a:accent1>
+        <a:srgbClr val="058DC7"/>
+      </a:accent1>
+      <a:accent2>
+        <a:srgbClr val="50B432"/>
+      </a:accent2>
+      <a:accent3>
+        <a:srgbClr val="ED561B"/>
+      </a:accent3>
+      <a:accent4>
+        <a:srgbClr val="EDEF00"/>
+      </a:accent4>
+      <a:accent5>
+        <a:srgbClr val="24CBE5"/>
+      </a:accent5>
+      <a:accent6>
+        <a:srgbClr val="64E572"/>
+      </a:accent6>
+      <a:hlink>
+        <a:srgbClr val="2200CC"/>
+      </a:hlink>
+      <a:folHlink>
+        <a:srgbClr val="551A8B"/>
+      </a:folHlink>
+    </a:clrScheme>
+    <a:fontScheme name="Office">
+      <a:majorFont>
+        <a:latin typeface="Arial"/>
+        <a:ea typeface=""/>
+        <a:cs typeface=""/>
+        <a:font script="Jpan" typeface="ＭＳ Ｐゴシック"/>
+        <a:font script="Hang" typeface="맑은 고딕"/>
+        <a:font script="Hans" typeface="宋体"/>
+        <a:font script="Hant" typeface="新細明體"/>
+        <a:font script="Arab" typeface="Times New Roman"/>
+        <a:font script="Hebr" typeface="Times New Roman"/>
+        <a:font script="Thai" typeface="Angsana New"/>
+        <a:font script="Ethi" typeface="Nyala"/>
+        <a:font script="Beng" typeface="Vrinda"/>
+        <a:font script="Gujr" typeface="Shruti"/>
+        <a:font script="Khmr" typeface="MoolBoran"/>
+        <a:font script="Knda" typeface="Tunga"/>
+        <a:font script="Guru" typeface="Raavi"/>
+        <a:font script="Cans" typeface="Euphemia"/>
+        <a:font script="Cher" typeface="Plantagenet Cherokee"/>
+        <a:font script="Yiii" typeface="Microsoft Yi Baiti"/>
+        <a:font script="Tibt" typeface="Microsoft Himalaya"/>
+        <a:font script="Thaa" typeface="MV Boli"/>
+        <a:font script="Deva" typeface="Mangal"/>
+        <a:font script="Telu" typeface="Gautami"/>
+        <a:font script="Taml" typeface="Latha"/>
+        <a:font script="Syrc" typeface="Estrangelo Edessa"/>
+        <a:font script="Orya" typeface="Kalinga"/>
+        <a:font script="Mlym" typeface="Kartika"/>
+        <a:font script="Laoo" typeface="DokChampa"/>
+        <a:font script="Sinh" typeface="Iskoola Pota"/>
+        <a:font script="Mong" typeface="Mongolian Baiti"/>
+        <a:font script="Viet" typeface="Times New Roman"/>
+        <a:font script="Uigh" typeface="Microsoft Uighur"/>
+        <a:font script="Geor" typeface="Sylfaen"/>
+      </a:majorFont>
+      <a:minorFont>
+        <a:latin typeface="Arial"/>
+        <a:ea typeface=""/>
+        <a:cs typeface=""/>
+        <a:font script="Jpan" typeface="ＭＳ Ｐゴシック"/>
+        <a:font script="Hang" typeface="맑은 고딕"/>
+        <a:font script="Hans" typeface="宋体"/>
+        <a:font script="Hant" typeface="新細明體"/>
+        <a:font script="Arab" typeface="Arial"/>
+        <a:font script="Hebr" typeface="Arial"/>
+        <a:font script="Thai" typeface="Cordia New"/>
+        <a:font script="Ethi" typeface="Nyala"/>
+        <a:font script="Beng" typeface="Vrinda"/>
+        <a:font script="Gujr" typeface="Shruti"/>
+        <a:font script="Khmr" typeface="DaunPenh"/>
+        <a:font script="Knda" typeface="Tunga"/>
+        <a:font script="Guru" typeface="Raavi"/>
+        <a:font script="Cans" typeface="Euphemia"/>
+        <a:font script="Cher" typeface="Plantagenet Cherokee"/>
+        <a:font script="Yiii" typeface="Microsoft Yi Baiti"/>
+        <a:font script="Tibt" typeface="Microsoft Himalaya"/>
+        <a:font script="Thaa" typeface="MV Boli"/>
+        <a:font script="Deva" typeface="Mangal"/>
+        <a:font script="Telu" typeface="Gautami"/>
+        <a:font script="Taml" typeface="Latha"/>
+        <a:font script="Syrc" typeface="Estrangelo Edessa"/>
+        <a:font script="Orya" typeface="Kalinga"/>
+        <a:font script="Mlym" typeface="Kartika"/>
+        <a:font script="Laoo" typeface="DokChampa"/>
+        <a:font script="Sinh" typeface="Iskoola Pota"/>
+        <a:font script="Mong" typeface="Mongolian Baiti"/>
+        <a:font script="Viet" typeface="Arial"/>
+        <a:font script="Uigh" typeface="Microsoft Uighur"/>
+        <a:font script="Geor" typeface="Sylfaen"/>
+      </a:minorFont>
+    </a:fontScheme>
+    <a:fmtScheme name="Office">
+      <a:fillStyleLst>
+        <a:solidFill>
+          <a:schemeClr val="phClr"/>
+        </a:solidFill>
+        <a:gradFill rotWithShape="1">
+          <a:gsLst>
+            <a:gs pos="0">
+              <a:schemeClr val="phClr">
+                <a:tint val="50000"/>
+                <a:satMod val="300000"/>
+              </a:schemeClr>
+            </a:gs>
+            <a:gs pos="35000">
+              <a:schemeClr val="phClr">
+                <a:tint val="37000"/>
+                <a:satMod val="300000"/>
+              </a:schemeClr>
+            </a:gs>
+            <a:gs pos="100000">
+              <a:schemeClr val="phClr">
+                <a:tint val="15000"/>
+                <a:satMod val="350000"/>
+              </a:schemeClr>
+            </a:gs>
+          </a:gsLst>
+          <a:lin ang="16200000" scaled="1"/>
+        </a:gradFill>
+        <a:gradFill rotWithShape="1">
+          <a:gsLst>
+            <a:gs pos="0">
+              <a:schemeClr val="phClr">
+                <a:tint val="100000"/>
+                <a:shade val="100000"/>
+                <a:satMod val="130000"/>
+              </a:schemeClr>
+            </a:gs>
+            <a:gs pos="100000">
+              <a:schemeClr val="phClr">
+                <a:tint val="50000"/>
+                <a:shade val="100000"/>
+                <a:satMod val="350000"/>
+              </a:schemeClr>
+            </a:gs>
+          </a:gsLst>
+          <a:lin ang="16200000" scaled="0"/>
+        </a:gradFill>
+      </a:fillStyleLst>
+      <a:lnStyleLst>
+        <a:ln w="9525" cap="flat" cmpd="sng" algn="ctr">
+          <a:solidFill>
+            <a:schemeClr val="phClr">
+              <a:shade val="95000"/>
+              <a:satMod val="105000"/>
+            </a:schemeClr>
+          </a:solidFill>
+          <a:prstDash val="solid"/>
+        </a:ln>
+        <a:ln w="25400" cap="flat" cmpd="sng" algn="ctr">
+          <a:solidFill>
+            <a:schemeClr val="phClr"/>
+          </a:solidFill>
+          <a:prstDash val="solid"/>
+        </a:ln>
+        <a:ln w="38100" cap="flat" cmpd="sng" algn="ctr">
+          <a:solidFill>
+            <a:schemeClr val="phClr"/>
+          </a:solidFill>
+          <a:prstDash val="solid"/>
+        </a:ln>
+      </a:lnStyleLst>
+      <a:effectStyleLst>
+        <a:effectStyle>
+          <a:effectLst>
+            <a:outerShdw blurRad="40000" dist="20000" dir="5400000" rotWithShape="0">
+              <a:srgbClr val="000000">
+                <a:alpha val="38000"/>
+              </a:srgbClr>
+            </a:outerShdw>
+          </a:effectLst>
+        </a:effectStyle>
+        <a:effectStyle>
+          <a:effectLst>
+            <a:outerShdw blurRad="40000" dist="23000" dir="5400000" rotWithShape="0">
+              <a:srgbClr val="000000">
+                <a:alpha val="35000"/>
+              </a:srgbClr>
+            </a:outerShdw>
+          </a:effectLst>
+        </a:effectStyle>
+        <a:effectStyle>
+          <a:effectLst>
+            <a:outerShdw blurRad="40000" dist="23000" dir="5400000" rotWithShape="0">
+              <a:srgbClr val="000000">
+                <a:alpha val="35000"/>
+              </a:srgbClr>
+            </a:outerShdw>
+          </a:effectLst>
+          <a:scene3d>
+            <a:camera prst="orthographicFront">
+              <a:rot lat="0" lon="0" rev="0"/>
+            </a:camera>
+            <a:lightRig rig="threePt" dir="t">
+              <a:rot lat="0" lon="0" rev="1200000"/>
+            </a:lightRig>
+          </a:scene3d>
+          <a:sp3d>
+            <a:bevelT w="63500" h="25400"/>
+          </a:sp3d>
+        </a:effectStyle>
+      </a:effectStyleLst>
+      <a:bgFillStyleLst>
+        <a:solidFill>
+          <a:schemeClr val="phClr"/>
+        </a:solidFill>
+        <a:gradFill rotWithShape="1">
+          <a:gsLst>
+            <a:gs pos="0">
+              <a:schemeClr val="phClr">
+                <a:tint val="40000"/>
+                <a:satMod val="350000"/>
+              </a:schemeClr>
+            </a:gs>
+            <a:gs pos="40000">
+              <a:schemeClr val="phClr">
+                <a:tint val="45000"/>
+                <a:shade val="99000"/>
+                <a:satMod val="350000"/>
+              </a:schemeClr>
+            </a:gs>
+            <a:gs pos="100000">
+              <a:schemeClr val="phClr">
+                <a:shade val="20000"/>
+                <a:satMod val="255000"/>
+              </a:schemeClr>
+            </a:gs>
+          </a:gsLst>
+          <a:path path="circle">
+            <a:fillToRect l="50000" t="-80000" r="50000" b="180000"/>
+          </a:path>
+        </a:gradFill>
+        <a:gradFill rotWithShape="1">
+          <a:gsLst>
+            <a:gs pos="0">
+              <a:schemeClr val="phClr">
+                <a:tint val="80000"/>
+                <a:satMod val="300000"/>
+              </a:schemeClr>
+            </a:gs>
+            <a:gs pos="100000">
+              <a:schemeClr val="phClr">
+                <a:shade val="30000"/>
+                <a:satMod val="200000"/>
+              </a:schemeClr>
+            </a:gs>
+          </a:gsLst>
+          <a:path path="circle">
+            <a:fillToRect l="50000" t="50000" r="50000" b="50000"/>
+          </a:path>
+        </a:gradFill>
+      </a:bgFillStyleLst>
+    </a:fmtScheme>
+  </a:themeElements>
+</a:theme>
+</file>
+
+<file path=ppt/theme/theme2.xml><?xml version="1.0" encoding="utf-8"?>
 <a:theme xmlns:a="http://schemas.openxmlformats.org/drawingml/2006/main" xmlns:r="http://schemas.openxmlformats.org/officeDocument/2006/relationships" name="geometric">
   <a:themeElements>
     <a:clrScheme name="Geometric">
@@ -24981,283 +25288,4 @@
     </a:fmtScheme>
   </a:themeElements>
 </a:theme>
-</file>
-
-<file path=ppt/theme/theme2.xml><?xml version="1.0" encoding="utf-8"?>
-<a:theme xmlns:a="http://schemas.openxmlformats.org/drawingml/2006/main" xmlns:r="http://schemas.openxmlformats.org/officeDocument/2006/relationships" name="Custom Theme">
-  <a:themeElements>
-    <a:clrScheme name="Default">
-      <a:dk1>
-        <a:srgbClr val="000000"/>
-      </a:dk1>
-      <a:lt1>
-        <a:srgbClr val="FFFFFF"/>
-      </a:lt1>
-      <a:dk2>
-        <a:srgbClr val="158158"/>
-      </a:dk2>
-      <a:lt2>
-        <a:srgbClr val="F3F3F3"/>
-      </a:lt2>
-      <a:accent1>
-        <a:srgbClr val="058DC7"/>
-      </a:accent1>
-      <a:accent2>
-        <a:srgbClr val="50B432"/>
-      </a:accent2>
-      <a:accent3>
-        <a:srgbClr val="ED561B"/>
-      </a:accent3>
-      <a:accent4>
-        <a:srgbClr val="EDEF00"/>
-      </a:accent4>
-      <a:accent5>
-        <a:srgbClr val="24CBE5"/>
-      </a:accent5>
-      <a:accent6>
-        <a:srgbClr val="64E572"/>
-      </a:accent6>
-      <a:hlink>
-        <a:srgbClr val="2200CC"/>
-      </a:hlink>
-      <a:folHlink>
-        <a:srgbClr val="551A8B"/>
-      </a:folHlink>
-    </a:clrScheme>
-    <a:fontScheme name="Office">
-      <a:majorFont>
-        <a:latin typeface="Arial"/>
-        <a:ea typeface=""/>
-        <a:cs typeface=""/>
-        <a:font script="Jpan" typeface="ＭＳ Ｐゴシック"/>
-        <a:font script="Hang" typeface="맑은 고딕"/>
-        <a:font script="Hans" typeface="宋体"/>
-        <a:font script="Hant" typeface="新細明體"/>
-        <a:font script="Arab" typeface="Times New Roman"/>
-        <a:font script="Hebr" typeface="Times New Roman"/>
-        <a:font script="Thai" typeface="Angsana New"/>
-        <a:font script="Ethi" typeface="Nyala"/>
-        <a:font script="Beng" typeface="Vrinda"/>
-        <a:font script="Gujr" typeface="Shruti"/>
-        <a:font script="Khmr" typeface="MoolBoran"/>
-        <a:font script="Knda" typeface="Tunga"/>
-        <a:font script="Guru" typeface="Raavi"/>
-        <a:font script="Cans" typeface="Euphemia"/>
-        <a:font script="Cher" typeface="Plantagenet Cherokee"/>
-        <a:font script="Yiii" typeface="Microsoft Yi Baiti"/>
-        <a:font script="Tibt" typeface="Microsoft Himalaya"/>
-        <a:font script="Thaa" typeface="MV Boli"/>
-        <a:font script="Deva" typeface="Mangal"/>
-        <a:font script="Telu" typeface="Gautami"/>
-        <a:font script="Taml" typeface="Latha"/>
-        <a:font script="Syrc" typeface="Estrangelo Edessa"/>
-        <a:font script="Orya" typeface="Kalinga"/>
-        <a:font script="Mlym" typeface="Kartika"/>
-        <a:font script="Laoo" typeface="DokChampa"/>
-        <a:font script="Sinh" typeface="Iskoola Pota"/>
-        <a:font script="Mong" typeface="Mongolian Baiti"/>
-        <a:font script="Viet" typeface="Times New Roman"/>
-        <a:font script="Uigh" typeface="Microsoft Uighur"/>
-        <a:font script="Geor" typeface="Sylfaen"/>
-      </a:majorFont>
-      <a:minorFont>
-        <a:latin typeface="Arial"/>
-        <a:ea typeface=""/>
-        <a:cs typeface=""/>
-        <a:font script="Jpan" typeface="ＭＳ Ｐゴシック"/>
-        <a:font script="Hang" typeface="맑은 고딕"/>
-        <a:font script="Hans" typeface="宋体"/>
-        <a:font script="Hant" typeface="新細明體"/>
-        <a:font script="Arab" typeface="Arial"/>
-        <a:font script="Hebr" typeface="Arial"/>
-        <a:font script="Thai" typeface="Cordia New"/>
-        <a:font script="Ethi" typeface="Nyala"/>
-        <a:font script="Beng" typeface="Vrinda"/>
-        <a:font script="Gujr" typeface="Shruti"/>
-        <a:font script="Khmr" typeface="DaunPenh"/>
-        <a:font script="Knda" typeface="Tunga"/>
-        <a:font script="Guru" typeface="Raavi"/>
-        <a:font script="Cans" typeface="Euphemia"/>
-        <a:font script="Cher" typeface="Plantagenet Cherokee"/>
-        <a:font script="Yiii" typeface="Microsoft Yi Baiti"/>
-        <a:font script="Tibt" typeface="Microsoft Himalaya"/>
-        <a:font script="Thaa" typeface="MV Boli"/>
-        <a:font script="Deva" typeface="Mangal"/>
-        <a:font script="Telu" typeface="Gautami"/>
-        <a:font script="Taml" typeface="Latha"/>
-        <a:font script="Syrc" typeface="Estrangelo Edessa"/>
-        <a:font script="Orya" typeface="Kalinga"/>
-        <a:font script="Mlym" typeface="Kartika"/>
-        <a:font script="Laoo" typeface="DokChampa"/>
-        <a:font script="Sinh" typeface="Iskoola Pota"/>
-        <a:font script="Mong" typeface="Mongolian Baiti"/>
-        <a:font script="Viet" typeface="Arial"/>
-        <a:font script="Uigh" typeface="Microsoft Uighur"/>
-        <a:font script="Geor" typeface="Sylfaen"/>
-      </a:minorFont>
-    </a:fontScheme>
-    <a:fmtScheme name="Office">
-      <a:fillStyleLst>
-        <a:solidFill>
-          <a:schemeClr val="phClr"/>
-        </a:solidFill>
-        <a:gradFill rotWithShape="1">
-          <a:gsLst>
-            <a:gs pos="0">
-              <a:schemeClr val="phClr">
-                <a:tint val="50000"/>
-                <a:satMod val="300000"/>
-              </a:schemeClr>
-            </a:gs>
-            <a:gs pos="35000">
-              <a:schemeClr val="phClr">
-                <a:tint val="37000"/>
-                <a:satMod val="300000"/>
-              </a:schemeClr>
-            </a:gs>
-            <a:gs pos="100000">
-              <a:schemeClr val="phClr">
-                <a:tint val="15000"/>
-                <a:satMod val="350000"/>
-              </a:schemeClr>
-            </a:gs>
-          </a:gsLst>
-          <a:lin ang="16200000" scaled="1"/>
-        </a:gradFill>
-        <a:gradFill rotWithShape="1">
-          <a:gsLst>
-            <a:gs pos="0">
-              <a:schemeClr val="phClr">
-                <a:tint val="100000"/>
-                <a:shade val="100000"/>
-                <a:satMod val="130000"/>
-              </a:schemeClr>
-            </a:gs>
-            <a:gs pos="100000">
-              <a:schemeClr val="phClr">
-                <a:tint val="50000"/>
-                <a:shade val="100000"/>
-                <a:satMod val="350000"/>
-              </a:schemeClr>
-            </a:gs>
-          </a:gsLst>
-          <a:lin ang="16200000" scaled="0"/>
-        </a:gradFill>
-      </a:fillStyleLst>
-      <a:lnStyleLst>
-        <a:ln w="9525" cap="flat" cmpd="sng" algn="ctr">
-          <a:solidFill>
-            <a:schemeClr val="phClr">
-              <a:shade val="95000"/>
-              <a:satMod val="105000"/>
-            </a:schemeClr>
-          </a:solidFill>
-          <a:prstDash val="solid"/>
-        </a:ln>
-        <a:ln w="25400" cap="flat" cmpd="sng" algn="ctr">
-          <a:solidFill>
-            <a:schemeClr val="phClr"/>
-          </a:solidFill>
-          <a:prstDash val="solid"/>
-        </a:ln>
-        <a:ln w="38100" cap="flat" cmpd="sng" algn="ctr">
-          <a:solidFill>
-            <a:schemeClr val="phClr"/>
-          </a:solidFill>
-          <a:prstDash val="solid"/>
-        </a:ln>
-      </a:lnStyleLst>
-      <a:effectStyleLst>
-        <a:effectStyle>
-          <a:effectLst>
-            <a:outerShdw blurRad="40000" dist="20000" dir="5400000" rotWithShape="0">
-              <a:srgbClr val="000000">
-                <a:alpha val="38000"/>
-              </a:srgbClr>
-            </a:outerShdw>
-          </a:effectLst>
-        </a:effectStyle>
-        <a:effectStyle>
-          <a:effectLst>
-            <a:outerShdw blurRad="40000" dist="23000" dir="5400000" rotWithShape="0">
-              <a:srgbClr val="000000">
-                <a:alpha val="35000"/>
-              </a:srgbClr>
-            </a:outerShdw>
-          </a:effectLst>
-        </a:effectStyle>
-        <a:effectStyle>
-          <a:effectLst>
-            <a:outerShdw blurRad="40000" dist="23000" dir="5400000" rotWithShape="0">
-              <a:srgbClr val="000000">
-                <a:alpha val="35000"/>
-              </a:srgbClr>
-            </a:outerShdw>
-          </a:effectLst>
-          <a:scene3d>
-            <a:camera prst="orthographicFront">
-              <a:rot lat="0" lon="0" rev="0"/>
-            </a:camera>
-            <a:lightRig rig="threePt" dir="t">
-              <a:rot lat="0" lon="0" rev="1200000"/>
-            </a:lightRig>
-          </a:scene3d>
-          <a:sp3d>
-            <a:bevelT w="63500" h="25400"/>
-          </a:sp3d>
-        </a:effectStyle>
-      </a:effectStyleLst>
-      <a:bgFillStyleLst>
-        <a:solidFill>
-          <a:schemeClr val="phClr"/>
-        </a:solidFill>
-        <a:gradFill rotWithShape="1">
-          <a:gsLst>
-            <a:gs pos="0">
-              <a:schemeClr val="phClr">
-                <a:tint val="40000"/>
-                <a:satMod val="350000"/>
-              </a:schemeClr>
-            </a:gs>
-            <a:gs pos="40000">
-              <a:schemeClr val="phClr">
-                <a:tint val="45000"/>
-                <a:shade val="99000"/>
-                <a:satMod val="350000"/>
-              </a:schemeClr>
-            </a:gs>
-            <a:gs pos="100000">
-              <a:schemeClr val="phClr">
-                <a:shade val="20000"/>
-                <a:satMod val="255000"/>
-              </a:schemeClr>
-            </a:gs>
-          </a:gsLst>
-          <a:path path="circle">
-            <a:fillToRect l="50000" t="-80000" r="50000" b="180000"/>
-          </a:path>
-        </a:gradFill>
-        <a:gradFill rotWithShape="1">
-          <a:gsLst>
-            <a:gs pos="0">
-              <a:schemeClr val="phClr">
-                <a:tint val="80000"/>
-                <a:satMod val="300000"/>
-              </a:schemeClr>
-            </a:gs>
-            <a:gs pos="100000">
-              <a:schemeClr val="phClr">
-                <a:shade val="30000"/>
-                <a:satMod val="200000"/>
-              </a:schemeClr>
-            </a:gs>
-          </a:gsLst>
-          <a:path path="circle">
-            <a:fillToRect l="50000" t="50000" r="50000" b="50000"/>
-          </a:path>
-        </a:gradFill>
-      </a:bgFillStyleLst>
-    </a:fmtScheme>
-  </a:themeElements>
-</a:theme>
 </file>